--- a/report/15week-lxr.pptx
+++ b/report/15week-lxr.pptx
@@ -17,13 +17,12 @@
     <p:sldId id="267" r:id="rId10"/>
     <p:sldId id="268" r:id="rId11"/>
     <p:sldId id="269" r:id="rId12"/>
-    <p:sldId id="270" r:id="rId13"/>
-    <p:sldId id="271" r:id="rId14"/>
+    <p:sldId id="271" r:id="rId13"/>
   </p:sldIdLst>
   <p:sldSz cx="12192000" cy="6858000"/>
   <p:notesSz cx="6858000" cy="9144000"/>
   <p:custDataLst>
-    <p:tags r:id="rId19"/>
+    <p:tags r:id="rId18"/>
   </p:custDataLst>
   <p:defaultTextStyle>
     <a:defPPr>
@@ -17895,138 +17894,6 @@
 </p:sld>
 </file>
 
-<file path=ppt/slides/slide10.xml><?xml version="1.0" encoding="utf-8"?>
-<p:sld xmlns:a="http://schemas.openxmlformats.org/drawingml/2006/main" xmlns:r="http://schemas.openxmlformats.org/officeDocument/2006/relationships" xmlns:p="http://schemas.openxmlformats.org/presentationml/2006/main">
-  <p:cSld>
-    <p:spTree>
-      <p:nvGrpSpPr>
-        <p:cNvPr id="1" name=""/>
-        <p:cNvGrpSpPr/>
-        <p:nvPr/>
-      </p:nvGrpSpPr>
-      <p:grpSpPr>
-        <a:xfrm>
-          <a:off x="0" y="0"/>
-          <a:ext cx="0" cy="0"/>
-          <a:chOff x="0" y="0"/>
-          <a:chExt cx="0" cy="0"/>
-        </a:xfrm>
-      </p:grpSpPr>
-      <p:sp>
-        <p:nvSpPr>
-          <p:cNvPr id="4" name="标题 3"/>
-          <p:cNvSpPr>
-            <a:spLocks noGrp="1"/>
-          </p:cNvSpPr>
-          <p:nvPr>
-            <p:ph type="title" idx="13"/>
-            <p:custDataLst>
-              <p:tags r:id="rId1"/>
-            </p:custDataLst>
-          </p:nvPr>
-        </p:nvSpPr>
-        <p:spPr/>
-        <p:txBody>
-          <a:bodyPr/>
-          <a:lstStyle/>
-          <a:p>
-            <a:r>
-              <a:rPr lang="zh-CN" altLang="en-US"/>
-              <a:t>谢谢聆听</a:t>
-            </a:r>
-            <a:endParaRPr lang="zh-CN" altLang="en-US"/>
-          </a:p>
-        </p:txBody>
-      </p:sp>
-      <p:sp>
-        <p:nvSpPr>
-          <p:cNvPr id="5" name="文本占位符 4"/>
-          <p:cNvSpPr>
-            <a:spLocks noGrp="1"/>
-          </p:cNvSpPr>
-          <p:nvPr>
-            <p:ph type="body" idx="14"/>
-            <p:custDataLst>
-              <p:tags r:id="rId2"/>
-            </p:custDataLst>
-          </p:nvPr>
-        </p:nvSpPr>
-        <p:spPr/>
-        <p:txBody>
-          <a:bodyPr/>
-          <a:lstStyle/>
-          <a:p>
-            <a:r>
-              <a:rPr lang="zh-CN" altLang="en-US"/>
-              <a:t>单击此处添加副标题内容</a:t>
-            </a:r>
-            <a:endParaRPr lang="zh-CN" altLang="en-US"/>
-          </a:p>
-        </p:txBody>
-      </p:sp>
-      <p:sp>
-        <p:nvSpPr>
-          <p:cNvPr id="6" name="文本占位符 5"/>
-          <p:cNvSpPr>
-            <a:spLocks noGrp="1"/>
-          </p:cNvSpPr>
-          <p:nvPr>
-            <p:ph type="body" sz="quarter" idx="15"/>
-            <p:custDataLst>
-              <p:tags r:id="rId3"/>
-            </p:custDataLst>
-          </p:nvPr>
-        </p:nvSpPr>
-        <p:spPr/>
-        <p:txBody>
-          <a:bodyPr/>
-          <a:lstStyle/>
-          <a:p>
-            <a:r>
-              <a:rPr lang="zh-CN" altLang="en-US" dirty="0"/>
-              <a:t>汇报人姓名</a:t>
-            </a:r>
-            <a:endParaRPr lang="zh-CN" altLang="en-US" dirty="0"/>
-          </a:p>
-        </p:txBody>
-      </p:sp>
-      <p:sp>
-        <p:nvSpPr>
-          <p:cNvPr id="7" name="文本占位符 6"/>
-          <p:cNvSpPr>
-            <a:spLocks noGrp="1"/>
-          </p:cNvSpPr>
-          <p:nvPr>
-            <p:ph type="body" sz="quarter" idx="16"/>
-            <p:custDataLst>
-              <p:tags r:id="rId4"/>
-            </p:custDataLst>
-          </p:nvPr>
-        </p:nvSpPr>
-        <p:spPr/>
-        <p:txBody>
-          <a:bodyPr/>
-          <a:lstStyle/>
-          <a:p>
-            <a:r>
-              <a:rPr lang="zh-CN" altLang="en-US" dirty="0"/>
-              <a:t>汇报日期</a:t>
-            </a:r>
-            <a:endParaRPr lang="zh-CN" altLang="en-US" dirty="0"/>
-          </a:p>
-        </p:txBody>
-      </p:sp>
-    </p:spTree>
-    <p:custDataLst>
-      <p:tags r:id="rId5"/>
-    </p:custDataLst>
-  </p:cSld>
-  <p:clrMapOvr>
-    <a:masterClrMapping/>
-  </p:clrMapOvr>
-</p:sld>
-</file>
-
 <file path=ppt/slides/slide2.xml><?xml version="1.0" encoding="utf-8"?>
 <p:sld xmlns:a="http://schemas.openxmlformats.org/drawingml/2006/main" xmlns:r="http://schemas.openxmlformats.org/officeDocument/2006/relationships" xmlns:p="http://schemas.openxmlformats.org/presentationml/2006/main">
   <p:cSld>
@@ -23502,558 +23369,111 @@
       </p:grpSpPr>
       <p:sp>
         <p:nvSpPr>
-          <p:cNvPr id="6" name="矩形 5"/>
-          <p:cNvSpPr/>
+          <p:cNvPr id="4" name="标题 3"/>
+          <p:cNvSpPr>
+            <a:spLocks noGrp="1"/>
+          </p:cNvSpPr>
           <p:nvPr>
+            <p:ph type="title" idx="13"/>
             <p:custDataLst>
               <p:tags r:id="rId1"/>
             </p:custDataLst>
           </p:nvPr>
         </p:nvSpPr>
-        <p:spPr>
-          <a:xfrm>
-            <a:off x="0" y="953691"/>
-            <a:ext cx="12192000" cy="4950618"/>
-          </a:xfrm>
-          <a:prstGeom prst="rect">
-            <a:avLst/>
-          </a:prstGeom>
-          <a:solidFill>
-            <a:schemeClr val="tx2"/>
-          </a:solidFill>
-          <a:ln w="12700" cap="flat" cmpd="sng" algn="ctr">
-            <a:solidFill>
-              <a:schemeClr val="accent1">
-                <a:shade val="50000"/>
-                <a:alpha val="0"/>
-              </a:schemeClr>
-            </a:solidFill>
-            <a:prstDash val="solid"/>
-            <a:miter lim="800000"/>
-            <a:headEnd type="none" w="med" len="med"/>
-            <a:tailEnd type="none" w="med" len="med"/>
-          </a:ln>
-        </p:spPr>
-        <p:style>
-          <a:lnRef idx="2">
-            <a:schemeClr val="accent1">
-              <a:shade val="50000"/>
-            </a:schemeClr>
-          </a:lnRef>
-          <a:fillRef idx="1">
-            <a:schemeClr val="accent1"/>
-          </a:fillRef>
-          <a:effectRef idx="0">
-            <a:schemeClr val="accent1"/>
-          </a:effectRef>
-          <a:fontRef idx="minor">
-            <a:schemeClr val="lt1"/>
-          </a:fontRef>
-        </p:style>
+        <p:spPr/>
         <p:txBody>
-          <a:bodyPr rtlCol="0" anchor="ctr"/>
+          <a:bodyPr/>
           <a:lstStyle/>
           <a:p>
-            <a:pPr algn="ctr"/>
+            <a:r>
+              <a:rPr lang="zh-CN" altLang="en-US"/>
+              <a:t>谢谢聆听</a:t>
+            </a:r>
             <a:endParaRPr lang="zh-CN" altLang="en-US"/>
-          </a:p>
-        </p:txBody>
-      </p:sp>
-      <p:pic>
-        <p:nvPicPr>
-          <p:cNvPr id="7" name="图片 6"/>
-          <p:cNvPicPr/>
-          <p:nvPr>
-            <p:custDataLst>
-              <p:tags r:id="rId2"/>
-            </p:custDataLst>
-          </p:nvPr>
-        </p:nvPicPr>
-        <p:blipFill>
-          <a:blip r:embed="rId3" r:link="rId4" cstate="email"/>
-          <a:stretch>
-            <a:fillRect/>
-          </a:stretch>
-        </p:blipFill>
-        <p:spPr>
-          <a:xfrm>
-            <a:off x="10571797" y="5237797"/>
-            <a:ext cx="1620202" cy="1620202"/>
-          </a:xfrm>
-          <a:prstGeom prst="rect">
-            <a:avLst/>
-          </a:prstGeom>
-        </p:spPr>
-      </p:pic>
-      <p:pic>
-        <p:nvPicPr>
-          <p:cNvPr id="8" name="图片 7"/>
-          <p:cNvPicPr/>
-          <p:nvPr>
-            <p:custDataLst>
-              <p:tags r:id="rId5"/>
-            </p:custDataLst>
-          </p:nvPr>
-        </p:nvPicPr>
-        <p:blipFill>
-          <a:blip r:embed="rId6" r:link="rId7" cstate="email"/>
-          <a:stretch>
-            <a:fillRect/>
-          </a:stretch>
-        </p:blipFill>
-        <p:spPr>
-          <a:xfrm>
-            <a:off x="0" y="5237797"/>
-            <a:ext cx="1620202" cy="1620202"/>
-          </a:xfrm>
-          <a:prstGeom prst="rect">
-            <a:avLst/>
-          </a:prstGeom>
-        </p:spPr>
-      </p:pic>
-      <p:pic>
-        <p:nvPicPr>
-          <p:cNvPr id="10" name="图片 9" descr="C:\Users\kingsoft\Desktop\Pexels类别20191129\商务\大海 船 暖色\冬季, 地平線, 天性, 天空 的 免费素材照片.jpeg冬季, 地平線, 天性, 天空 的 免费素材照片"/>
-          <p:cNvPicPr/>
-          <p:nvPr>
-            <p:custDataLst>
-              <p:tags r:id="rId8"/>
-            </p:custDataLst>
-          </p:nvPr>
-        </p:nvPicPr>
-        <p:blipFill rotWithShape="1">
-          <a:blip r:embed="rId9"/>
-          <a:srcRect/>
-          <a:stretch>
-            <a:fillRect/>
-          </a:stretch>
-        </p:blipFill>
-        <p:spPr>
-          <a:xfrm>
-            <a:off x="0" y="0"/>
-            <a:ext cx="6096000" cy="6858000"/>
-          </a:xfrm>
-          <a:prstGeom prst="rect">
-            <a:avLst/>
-          </a:prstGeom>
-        </p:spPr>
-      </p:pic>
-      <p:sp>
-        <p:nvSpPr>
-          <p:cNvPr id="3" name="文本框 2"/>
-          <p:cNvSpPr txBox="1"/>
-          <p:nvPr>
-            <p:custDataLst>
-              <p:tags r:id="rId10"/>
-            </p:custDataLst>
-          </p:nvPr>
-        </p:nvSpPr>
-        <p:spPr>
-          <a:xfrm>
-            <a:off x="6704401" y="1792783"/>
-            <a:ext cx="4689314" cy="3272434"/>
-          </a:xfrm>
-          <a:prstGeom prst="rect">
-            <a:avLst/>
-          </a:prstGeom>
-          <a:noFill/>
-        </p:spPr>
-        <p:txBody>
-          <a:bodyPr wrap="square" rtlCol="0" anchor="ctr" anchorCtr="0">
-            <a:normAutofit/>
-          </a:bodyPr>
-          <a:lstStyle/>
-          <a:p>
-            <a:pPr>
-              <a:lnSpc>
-                <a:spcPct val="120000"/>
-              </a:lnSpc>
-            </a:pPr>
-            <a:r>
-              <a:rPr lang="zh-CN" altLang="en-US" sz="4400" b="1" dirty="0">
-                <a:latin typeface="Arial" panose="020B0604020202020204" pitchFamily="34" charset="0"/>
-                <a:ea typeface="微软雅黑" panose="020B0503020204020204" charset="-122"/>
-                <a:cs typeface="Arial" panose="020B0604020202020204" pitchFamily="34" charset="0"/>
-              </a:rPr>
-              <a:t>单击此处</a:t>
-            </a:r>
-            <a:endParaRPr lang="zh-CN" altLang="en-US" sz="4400" b="1" dirty="0">
-              <a:latin typeface="Arial" panose="020B0604020202020204" pitchFamily="34" charset="0"/>
-              <a:ea typeface="微软雅黑" panose="020B0503020204020204" charset="-122"/>
-              <a:cs typeface="Arial" panose="020B0604020202020204" pitchFamily="34" charset="0"/>
-            </a:endParaRPr>
-          </a:p>
-          <a:p>
-            <a:pPr>
-              <a:lnSpc>
-                <a:spcPct val="120000"/>
-              </a:lnSpc>
-            </a:pPr>
-            <a:r>
-              <a:rPr lang="zh-CN" altLang="en-US" sz="4400" b="1" dirty="0">
-                <a:latin typeface="Arial" panose="020B0604020202020204" pitchFamily="34" charset="0"/>
-                <a:ea typeface="微软雅黑" panose="020B0503020204020204" charset="-122"/>
-                <a:cs typeface="Arial" panose="020B0604020202020204" pitchFamily="34" charset="0"/>
-              </a:rPr>
-              <a:t>添加大标题内容</a:t>
-            </a:r>
-            <a:endParaRPr lang="zh-CN" altLang="en-US" sz="4400" b="1" dirty="0">
-              <a:latin typeface="Arial" panose="020B0604020202020204" pitchFamily="34" charset="0"/>
-              <a:ea typeface="微软雅黑" panose="020B0503020204020204" charset="-122"/>
-              <a:cs typeface="Arial" panose="020B0604020202020204" pitchFamily="34" charset="0"/>
-            </a:endParaRPr>
           </a:p>
         </p:txBody>
       </p:sp>
       <p:sp>
         <p:nvSpPr>
-          <p:cNvPr id="4" name="矩形: 圆角 3"/>
-          <p:cNvSpPr/>
+          <p:cNvPr id="5" name="文本占位符 4"/>
+          <p:cNvSpPr>
+            <a:spLocks noGrp="1"/>
+          </p:cNvSpPr>
           <p:nvPr>
-            <p:custDataLst>
-              <p:tags r:id="rId11"/>
+            <p:ph type="body" idx="14"/>
+            <p:custDataLst>
+              <p:tags r:id="rId2"/>
             </p:custDataLst>
           </p:nvPr>
         </p:nvSpPr>
-        <p:spPr>
-          <a:xfrm>
-            <a:off x="763199" y="605954"/>
-            <a:ext cx="907181" cy="313266"/>
-          </a:xfrm>
-          <a:prstGeom prst="roundRect">
-            <a:avLst>
-              <a:gd name="adj" fmla="val 50000"/>
-            </a:avLst>
-          </a:prstGeom>
-          <a:solidFill>
-            <a:schemeClr val="accent1"/>
-          </a:solidFill>
-          <a:ln>
-            <a:noFill/>
-          </a:ln>
-        </p:spPr>
-        <p:style>
-          <a:lnRef idx="2">
-            <a:schemeClr val="accent1">
-              <a:shade val="50000"/>
-            </a:schemeClr>
-          </a:lnRef>
-          <a:fillRef idx="1">
-            <a:schemeClr val="accent1"/>
-          </a:fillRef>
-          <a:effectRef idx="0">
-            <a:schemeClr val="accent1"/>
-          </a:effectRef>
-          <a:fontRef idx="minor">
-            <a:schemeClr val="lt1"/>
-          </a:fontRef>
-        </p:style>
+        <p:spPr/>
         <p:txBody>
-          <a:bodyPr rtlCol="0" anchor="ctr"/>
-          <a:lstStyle>
-            <a:defPPr>
-              <a:defRPr lang="zh-CN">
-                <a:solidFill>
-                  <a:schemeClr val="lt1"/>
-                </a:solidFill>
-              </a:defRPr>
-            </a:defPPr>
-            <a:lvl1pPr marL="0" algn="l" defTabSz="914400" rtl="0" eaLnBrk="1" latinLnBrk="0" hangingPunct="1">
-              <a:defRPr sz="1800" kern="1200">
-                <a:solidFill>
-                  <a:schemeClr val="lt1"/>
-                </a:solidFill>
-                <a:latin typeface="+mn-lt"/>
-                <a:ea typeface="+mn-ea"/>
-                <a:cs typeface="+mn-cs"/>
-              </a:defRPr>
-            </a:lvl1pPr>
-            <a:lvl2pPr marL="457200" algn="l" defTabSz="914400" rtl="0" eaLnBrk="1" latinLnBrk="0" hangingPunct="1">
-              <a:defRPr sz="1800" kern="1200">
-                <a:solidFill>
-                  <a:schemeClr val="lt1"/>
-                </a:solidFill>
-                <a:latin typeface="+mn-lt"/>
-                <a:ea typeface="+mn-ea"/>
-                <a:cs typeface="+mn-cs"/>
-              </a:defRPr>
-            </a:lvl2pPr>
-            <a:lvl3pPr marL="914400" algn="l" defTabSz="914400" rtl="0" eaLnBrk="1" latinLnBrk="0" hangingPunct="1">
-              <a:defRPr sz="1800" kern="1200">
-                <a:solidFill>
-                  <a:schemeClr val="lt1"/>
-                </a:solidFill>
-                <a:latin typeface="+mn-lt"/>
-                <a:ea typeface="+mn-ea"/>
-                <a:cs typeface="+mn-cs"/>
-              </a:defRPr>
-            </a:lvl3pPr>
-            <a:lvl4pPr marL="1371600" algn="l" defTabSz="914400" rtl="0" eaLnBrk="1" latinLnBrk="0" hangingPunct="1">
-              <a:defRPr sz="1800" kern="1200">
-                <a:solidFill>
-                  <a:schemeClr val="lt1"/>
-                </a:solidFill>
-                <a:latin typeface="+mn-lt"/>
-                <a:ea typeface="+mn-ea"/>
-                <a:cs typeface="+mn-cs"/>
-              </a:defRPr>
-            </a:lvl4pPr>
-            <a:lvl5pPr marL="1828800" algn="l" defTabSz="914400" rtl="0" eaLnBrk="1" latinLnBrk="0" hangingPunct="1">
-              <a:defRPr sz="1800" kern="1200">
-                <a:solidFill>
-                  <a:schemeClr val="lt1"/>
-                </a:solidFill>
-                <a:latin typeface="+mn-lt"/>
-                <a:ea typeface="+mn-ea"/>
-                <a:cs typeface="+mn-cs"/>
-              </a:defRPr>
-            </a:lvl5pPr>
-            <a:lvl6pPr marL="2286000" algn="l" defTabSz="914400" rtl="0" eaLnBrk="1" latinLnBrk="0" hangingPunct="1">
-              <a:defRPr sz="1800" kern="1200">
-                <a:solidFill>
-                  <a:schemeClr val="lt1"/>
-                </a:solidFill>
-                <a:latin typeface="+mn-lt"/>
-                <a:ea typeface="+mn-ea"/>
-                <a:cs typeface="+mn-cs"/>
-              </a:defRPr>
-            </a:lvl6pPr>
-            <a:lvl7pPr marL="2743200" algn="l" defTabSz="914400" rtl="0" eaLnBrk="1" latinLnBrk="0" hangingPunct="1">
-              <a:defRPr sz="1800" kern="1200">
-                <a:solidFill>
-                  <a:schemeClr val="lt1"/>
-                </a:solidFill>
-                <a:latin typeface="+mn-lt"/>
-                <a:ea typeface="+mn-ea"/>
-                <a:cs typeface="+mn-cs"/>
-              </a:defRPr>
-            </a:lvl7pPr>
-            <a:lvl8pPr marL="3200400" algn="l" defTabSz="914400" rtl="0" eaLnBrk="1" latinLnBrk="0" hangingPunct="1">
-              <a:defRPr sz="1800" kern="1200">
-                <a:solidFill>
-                  <a:schemeClr val="lt1"/>
-                </a:solidFill>
-                <a:latin typeface="+mn-lt"/>
-                <a:ea typeface="+mn-ea"/>
-                <a:cs typeface="+mn-cs"/>
-              </a:defRPr>
-            </a:lvl8pPr>
-            <a:lvl9pPr marL="3657600" algn="l" defTabSz="914400" rtl="0" eaLnBrk="1" latinLnBrk="0" hangingPunct="1">
-              <a:defRPr sz="1800" kern="1200">
-                <a:solidFill>
-                  <a:schemeClr val="lt1"/>
-                </a:solidFill>
-                <a:latin typeface="+mn-lt"/>
-                <a:ea typeface="+mn-ea"/>
-                <a:cs typeface="+mn-cs"/>
-              </a:defRPr>
-            </a:lvl9pPr>
-          </a:lstStyle>
-          <a:p>
-            <a:pPr marL="0" marR="0" lvl="0" indent="0" algn="ctr" defTabSz="914400" rtl="0" eaLnBrk="1" fontAlgn="auto" latinLnBrk="0" hangingPunct="1">
-              <a:lnSpc>
-                <a:spcPct val="100000"/>
-              </a:lnSpc>
-              <a:spcBef>
-                <a:spcPts val="0"/>
-              </a:spcBef>
-              <a:spcAft>
-                <a:spcPts val="0"/>
-              </a:spcAft>
-              <a:buClrTx/>
-              <a:buSzTx/>
-              <a:buFontTx/>
-              <a:buNone/>
-            </a:pPr>
-            <a:endParaRPr kumimoji="0" lang="zh-CN" altLang="en-US" sz="1800" b="0" i="0" u="none" strike="noStrike" kern="1200" cap="none" spc="0" normalizeH="0" baseline="0" noProof="0">
-              <a:ln>
-                <a:noFill/>
-              </a:ln>
-              <a:solidFill>
-                <a:prstClr val="white"/>
-              </a:solidFill>
-              <a:effectLst/>
-              <a:uLnTx/>
-              <a:uFillTx/>
-              <a:latin typeface="等线" panose="02010600030101010101" charset="-122"/>
-              <a:ea typeface="等线" panose="02010600030101010101" charset="-122"/>
-              <a:cs typeface="+mn-cs"/>
-            </a:endParaRPr>
+          <a:bodyPr/>
+          <a:lstStyle/>
+          <a:p>
+            <a:r>
+              <a:rPr lang="zh-CN" altLang="en-US"/>
+              <a:t>单击此处添加副标题内容</a:t>
+            </a:r>
+            <a:endParaRPr lang="zh-CN" altLang="en-US"/>
           </a:p>
         </p:txBody>
       </p:sp>
       <p:sp>
         <p:nvSpPr>
-          <p:cNvPr id="5" name="文本框 33"/>
-          <p:cNvSpPr txBox="1"/>
+          <p:cNvPr id="6" name="文本占位符 5"/>
+          <p:cNvSpPr>
+            <a:spLocks noGrp="1"/>
+          </p:cNvSpPr>
           <p:nvPr>
-            <p:custDataLst>
-              <p:tags r:id="rId12"/>
+            <p:ph type="body" sz="quarter" idx="15"/>
+            <p:custDataLst>
+              <p:tags r:id="rId3"/>
             </p:custDataLst>
           </p:nvPr>
         </p:nvSpPr>
-        <p:spPr>
-          <a:xfrm>
-            <a:off x="810268" y="612669"/>
-            <a:ext cx="860112" cy="307777"/>
-          </a:xfrm>
-          <a:prstGeom prst="rect">
-            <a:avLst/>
-          </a:prstGeom>
-          <a:noFill/>
-        </p:spPr>
+        <p:spPr/>
         <p:txBody>
-          <a:bodyPr wrap="square" lIns="90000" rtlCol="0">
-            <a:noAutofit/>
-          </a:bodyPr>
-          <a:lstStyle>
-            <a:defPPr>
-              <a:defRPr lang="zh-CN"/>
-            </a:defPPr>
-            <a:lvl1pPr marL="0" algn="l" defTabSz="914400" rtl="0" eaLnBrk="1" latinLnBrk="0" hangingPunct="1">
-              <a:defRPr sz="1800" kern="1200">
-                <a:solidFill>
-                  <a:schemeClr val="tx1"/>
-                </a:solidFill>
-                <a:latin typeface="+mn-lt"/>
-                <a:ea typeface="+mn-ea"/>
-                <a:cs typeface="+mn-cs"/>
-              </a:defRPr>
-            </a:lvl1pPr>
-            <a:lvl2pPr marL="457200" algn="l" defTabSz="914400" rtl="0" eaLnBrk="1" latinLnBrk="0" hangingPunct="1">
-              <a:defRPr sz="1800" kern="1200">
-                <a:solidFill>
-                  <a:schemeClr val="tx1"/>
-                </a:solidFill>
-                <a:latin typeface="+mn-lt"/>
-                <a:ea typeface="+mn-ea"/>
-                <a:cs typeface="+mn-cs"/>
-              </a:defRPr>
-            </a:lvl2pPr>
-            <a:lvl3pPr marL="914400" algn="l" defTabSz="914400" rtl="0" eaLnBrk="1" latinLnBrk="0" hangingPunct="1">
-              <a:defRPr sz="1800" kern="1200">
-                <a:solidFill>
-                  <a:schemeClr val="tx1"/>
-                </a:solidFill>
-                <a:latin typeface="+mn-lt"/>
-                <a:ea typeface="+mn-ea"/>
-                <a:cs typeface="+mn-cs"/>
-              </a:defRPr>
-            </a:lvl3pPr>
-            <a:lvl4pPr marL="1371600" algn="l" defTabSz="914400" rtl="0" eaLnBrk="1" latinLnBrk="0" hangingPunct="1">
-              <a:defRPr sz="1800" kern="1200">
-                <a:solidFill>
-                  <a:schemeClr val="tx1"/>
-                </a:solidFill>
-                <a:latin typeface="+mn-lt"/>
-                <a:ea typeface="+mn-ea"/>
-                <a:cs typeface="+mn-cs"/>
-              </a:defRPr>
-            </a:lvl4pPr>
-            <a:lvl5pPr marL="1828800" algn="l" defTabSz="914400" rtl="0" eaLnBrk="1" latinLnBrk="0" hangingPunct="1">
-              <a:defRPr sz="1800" kern="1200">
-                <a:solidFill>
-                  <a:schemeClr val="tx1"/>
-                </a:solidFill>
-                <a:latin typeface="+mn-lt"/>
-                <a:ea typeface="+mn-ea"/>
-                <a:cs typeface="+mn-cs"/>
-              </a:defRPr>
-            </a:lvl5pPr>
-            <a:lvl6pPr marL="2286000" algn="l" defTabSz="914400" rtl="0" eaLnBrk="1" latinLnBrk="0" hangingPunct="1">
-              <a:defRPr sz="1800" kern="1200">
-                <a:solidFill>
-                  <a:schemeClr val="tx1"/>
-                </a:solidFill>
-                <a:latin typeface="+mn-lt"/>
-                <a:ea typeface="+mn-ea"/>
-                <a:cs typeface="+mn-cs"/>
-              </a:defRPr>
-            </a:lvl6pPr>
-            <a:lvl7pPr marL="2743200" algn="l" defTabSz="914400" rtl="0" eaLnBrk="1" latinLnBrk="0" hangingPunct="1">
-              <a:defRPr sz="1800" kern="1200">
-                <a:solidFill>
-                  <a:schemeClr val="tx1"/>
-                </a:solidFill>
-                <a:latin typeface="+mn-lt"/>
-                <a:ea typeface="+mn-ea"/>
-                <a:cs typeface="+mn-cs"/>
-              </a:defRPr>
-            </a:lvl7pPr>
-            <a:lvl8pPr marL="3200400" algn="l" defTabSz="914400" rtl="0" eaLnBrk="1" latinLnBrk="0" hangingPunct="1">
-              <a:defRPr sz="1800" kern="1200">
-                <a:solidFill>
-                  <a:schemeClr val="tx1"/>
-                </a:solidFill>
-                <a:latin typeface="+mn-lt"/>
-                <a:ea typeface="+mn-ea"/>
-                <a:cs typeface="+mn-cs"/>
-              </a:defRPr>
-            </a:lvl8pPr>
-            <a:lvl9pPr marL="3657600" algn="l" defTabSz="914400" rtl="0" eaLnBrk="1" latinLnBrk="0" hangingPunct="1">
-              <a:defRPr sz="1800" kern="1200">
-                <a:solidFill>
-                  <a:schemeClr val="tx1"/>
-                </a:solidFill>
-                <a:latin typeface="+mn-lt"/>
-                <a:ea typeface="+mn-ea"/>
-                <a:cs typeface="+mn-cs"/>
-              </a:defRPr>
-            </a:lvl9pPr>
-          </a:lstStyle>
-          <a:p>
-            <a:pPr marL="0" marR="0" lvl="0" indent="0" algn="ctr" defTabSz="914400" rtl="0" eaLnBrk="1" fontAlgn="auto" latinLnBrk="0" hangingPunct="1">
-              <a:lnSpc>
-                <a:spcPct val="100000"/>
-              </a:lnSpc>
-              <a:spcBef>
-                <a:spcPts val="0"/>
-              </a:spcBef>
-              <a:spcAft>
-                <a:spcPts val="0"/>
-              </a:spcAft>
-              <a:buClrTx/>
-              <a:buSzTx/>
-              <a:buFontTx/>
-              <a:buNone/>
-            </a:pPr>
+          <a:bodyPr/>
+          <a:lstStyle/>
+          <a:p>
             <a:r>
-              <a:rPr kumimoji="0" lang="en-US" altLang="zh-CN" sz="1400" b="1" i="0" spc="100" baseline="0" noProof="0" dirty="0">
-                <a:ln>
-                  <a:noFill/>
-                </a:ln>
-                <a:solidFill>
-                  <a:schemeClr val="bg1"/>
-                </a:solidFill>
-                <a:effectLst/>
-                <a:uLnTx/>
-                <a:uFillTx/>
-                <a:latin typeface="Arial" panose="020B0604020202020204" pitchFamily="34" charset="0"/>
-                <a:ea typeface="微软雅黑" panose="020B0503020204020204" charset="-122"/>
-                <a:cs typeface="Arial" panose="020B0604020202020204" pitchFamily="34" charset="0"/>
-              </a:rPr>
-              <a:t>LOGO</a:t>
+              <a:rPr lang="zh-CN" altLang="en-US" dirty="0"/>
+              <a:t>汇报人姓名</a:t>
             </a:r>
-            <a:endParaRPr kumimoji="0" lang="en-US" altLang="zh-CN" sz="1400" b="1" i="0" spc="100" baseline="0" noProof="0" dirty="0">
-              <a:ln>
-                <a:noFill/>
-              </a:ln>
-              <a:solidFill>
-                <a:schemeClr val="bg1"/>
-              </a:solidFill>
-              <a:effectLst/>
-              <a:uLnTx/>
-              <a:uFillTx/>
-              <a:latin typeface="Arial" panose="020B0604020202020204" pitchFamily="34" charset="0"/>
-              <a:ea typeface="微软雅黑" panose="020B0503020204020204" charset="-122"/>
-              <a:cs typeface="Arial" panose="020B0604020202020204" pitchFamily="34" charset="0"/>
-            </a:endParaRPr>
+            <a:endParaRPr lang="zh-CN" altLang="en-US" dirty="0"/>
+          </a:p>
+        </p:txBody>
+      </p:sp>
+      <p:sp>
+        <p:nvSpPr>
+          <p:cNvPr id="7" name="文本占位符 6"/>
+          <p:cNvSpPr>
+            <a:spLocks noGrp="1"/>
+          </p:cNvSpPr>
+          <p:nvPr>
+            <p:ph type="body" sz="quarter" idx="16"/>
+            <p:custDataLst>
+              <p:tags r:id="rId4"/>
+            </p:custDataLst>
+          </p:nvPr>
+        </p:nvSpPr>
+        <p:spPr/>
+        <p:txBody>
+          <a:bodyPr/>
+          <a:lstStyle/>
+          <a:p>
+            <a:r>
+              <a:rPr lang="zh-CN" altLang="en-US" dirty="0"/>
+              <a:t>汇报日期</a:t>
+            </a:r>
+            <a:endParaRPr lang="zh-CN" altLang="en-US" dirty="0"/>
           </a:p>
         </p:txBody>
       </p:sp>
     </p:spTree>
     <p:custDataLst>
-      <p:tags r:id="rId13"/>
+      <p:tags r:id="rId5"/>
     </p:custDataLst>
   </p:cSld>
   <p:clrMapOvr>
@@ -28337,183 +27757,6 @@
 
 <file path=ppt/tags/tag342.xml><?xml version="1.0" encoding="utf-8"?>
 <p:tagLst xmlns:p="http://schemas.openxmlformats.org/presentationml/2006/main">
-  <p:tag name="KSO_WM_UNIT_SUBTYPE" val="h"/>
-  <p:tag name="KSO_WM_UNIT_TYPE" val="i"/>
-  <p:tag name="KSO_WM_UNIT_INDEX" val="1"/>
-  <p:tag name="KSO_WM_TEMPLATE_CATEGORY" val="custom"/>
-  <p:tag name="KSO_WM_TEMPLATE_INDEX" val="20204278"/>
-  <p:tag name="KSO_WM_UNIT_ID" val="custom20204278_17*i*1"/>
-  <p:tag name="KSO_WM_UNIT_HIGHLIGHT" val="0"/>
-  <p:tag name="KSO_WM_UNIT_COMPATIBLE" val="0"/>
-  <p:tag name="KSO_WM_UNIT_DIAGRAM_ISNUMVISUAL" val="0"/>
-  <p:tag name="KSO_WM_UNIT_DIAGRAM_ISREFERUNIT" val="0"/>
-  <p:tag name="KSO_WM_UNIT_LAYERLEVEL" val="1"/>
-  <p:tag name="KSO_WM_TAG_VERSION" val="1.0"/>
-  <p:tag name="KSO_WM_BEAUTIFY_FLAG" val="#wm#"/>
-  <p:tag name="KSO_WM_UNIT_BK_DARK_LIGHT" val="2"/>
-</p:tagLst>
-</file>
-
-<file path=ppt/tags/tag343.xml><?xml version="1.0" encoding="utf-8"?>
-<p:tagLst xmlns:p="http://schemas.openxmlformats.org/presentationml/2006/main">
-  <p:tag name="KSO_WM_UNIT_TYPE" val="i"/>
-  <p:tag name="KSO_WM_UNIT_INDEX" val="2"/>
-  <p:tag name="KSO_WM_TEMPLATE_CATEGORY" val="custom"/>
-  <p:tag name="KSO_WM_TEMPLATE_INDEX" val="20204278"/>
-  <p:tag name="KSO_WM_UNIT_ID" val="custom20204278_17*i*2"/>
-  <p:tag name="KSO_WM_UNIT_HIGHLIGHT" val="0"/>
-  <p:tag name="KSO_WM_UNIT_COMPATIBLE" val="0"/>
-  <p:tag name="KSO_WM_UNIT_DIAGRAM_ISNUMVISUAL" val="0"/>
-  <p:tag name="KSO_WM_UNIT_DIAGRAM_ISREFERUNIT" val="0"/>
-  <p:tag name="KSO_WM_UNIT_LAYERLEVEL" val="1"/>
-  <p:tag name="KSO_WM_TAG_VERSION" val="1.0"/>
-  <p:tag name="KSO_WM_BEAUTIFY_FLAG" val="#wm#"/>
-</p:tagLst>
-</file>
-
-<file path=ppt/tags/tag344.xml><?xml version="1.0" encoding="utf-8"?>
-<p:tagLst xmlns:p="http://schemas.openxmlformats.org/presentationml/2006/main">
-  <p:tag name="KSO_WM_UNIT_TYPE" val="i"/>
-  <p:tag name="KSO_WM_UNIT_INDEX" val="3"/>
-  <p:tag name="KSO_WM_TEMPLATE_CATEGORY" val="custom"/>
-  <p:tag name="KSO_WM_TEMPLATE_INDEX" val="20204278"/>
-  <p:tag name="KSO_WM_UNIT_ID" val="custom20204278_17*i*3"/>
-  <p:tag name="KSO_WM_UNIT_HIGHLIGHT" val="0"/>
-  <p:tag name="KSO_WM_UNIT_COMPATIBLE" val="0"/>
-  <p:tag name="KSO_WM_UNIT_DIAGRAM_ISNUMVISUAL" val="0"/>
-  <p:tag name="KSO_WM_UNIT_DIAGRAM_ISREFERUNIT" val="0"/>
-  <p:tag name="KSO_WM_UNIT_LAYERLEVEL" val="1"/>
-  <p:tag name="KSO_WM_TAG_VERSION" val="1.0"/>
-  <p:tag name="KSO_WM_BEAUTIFY_FLAG" val="#wm#"/>
-</p:tagLst>
-</file>
-
-<file path=ppt/tags/tag345.xml><?xml version="1.0" encoding="utf-8"?>
-<p:tagLst xmlns:p="http://schemas.openxmlformats.org/presentationml/2006/main">
-  <p:tag name="KSO_WM_UNIT_VALUE" val="1904*1692"/>
-  <p:tag name="KSO_WM_UNIT_HIGHLIGHT" val="0"/>
-  <p:tag name="KSO_WM_UNIT_COMPATIBLE" val="0"/>
-  <p:tag name="KSO_WM_UNIT_DIAGRAM_ISNUMVISUAL" val="0"/>
-  <p:tag name="KSO_WM_UNIT_DIAGRAM_ISREFERUNIT" val="0"/>
-  <p:tag name="KSO_WM_UNIT_TYPE" val="d"/>
-  <p:tag name="KSO_WM_UNIT_INDEX" val="1"/>
-  <p:tag name="KSO_WM_UNIT_LAYERLEVEL" val="1"/>
-  <p:tag name="KSO_WM_TAG_VERSION" val="1.0"/>
-  <p:tag name="KSO_WM_BEAUTIFY_FLAG" val="#wm#"/>
-  <p:tag name="KSO_WM_UNIT_PLACING_PICTURE_INFO" val="{&quot;full_picture&quot;:false,&quot;last_crop_picture&quot;:&quot;1-1&quot;,&quot;selected&quot;:&quot;1-1&quot;,&quot;spacing&quot;:6}"/>
-  <p:tag name="KSO_WM_UNIT_SUPPORT_UNIT_TYPE" val="[&quot;all&quot;]"/>
-  <p:tag name="KSO_WM_UNIT_BLOCK" val="0"/>
-  <p:tag name="KSO_WM_TEMPLATE_CATEGORY" val="custom"/>
-  <p:tag name="KSO_WM_TEMPLATE_INDEX" val="20204278"/>
-  <p:tag name="KSO_WM_UNIT_ID" val="custom20204278_17*d*1"/>
-</p:tagLst>
-</file>
-
-<file path=ppt/tags/tag346.xml><?xml version="1.0" encoding="utf-8"?>
-<p:tagLst xmlns:p="http://schemas.openxmlformats.org/presentationml/2006/main">
-  <p:tag name="KSO_WM_UNIT_ISCONTENTSTITLE" val="0"/>
-  <p:tag name="KSO_WM_UNIT_PRESET_TEXT" val="单击此处&#13;添加大标题内容"/>
-  <p:tag name="KSO_WM_UNIT_NOCLEAR" val="0"/>
-  <p:tag name="KSO_WM_UNIT_VALUE" val="32"/>
-  <p:tag name="KSO_WM_UNIT_HIGHLIGHT" val="0"/>
-  <p:tag name="KSO_WM_UNIT_COMPATIBLE" val="0"/>
-  <p:tag name="KSO_WM_UNIT_DIAGRAM_ISNUMVISUAL" val="0"/>
-  <p:tag name="KSO_WM_UNIT_DIAGRAM_ISREFERUNIT" val="0"/>
-  <p:tag name="KSO_WM_UNIT_TYPE" val="a"/>
-  <p:tag name="KSO_WM_UNIT_INDEX" val="1"/>
-  <p:tag name="KSO_WM_UNIT_LAYERLEVEL" val="1"/>
-  <p:tag name="KSO_WM_TAG_VERSION" val="1.0"/>
-  <p:tag name="KSO_WM_BEAUTIFY_FLAG" val="#wm#"/>
-  <p:tag name="KSO_WM_UNIT_DEFAULT_FONT" val="36;44;4"/>
-  <p:tag name="KSO_WM_UNIT_BLOCK" val="0"/>
-  <p:tag name="KSO_WM_TEMPLATE_CATEGORY" val="custom"/>
-  <p:tag name="KSO_WM_TEMPLATE_INDEX" val="20204278"/>
-  <p:tag name="KSO_WM_UNIT_ID" val="custom20204278_17*a*1"/>
-  <p:tag name="KSO_WM_UNIT_ISNUMDGMTITLE" val="0"/>
-</p:tagLst>
-</file>
-
-<file path=ppt/tags/tag347.xml><?xml version="1.0" encoding="utf-8"?>
-<p:tagLst xmlns:p="http://schemas.openxmlformats.org/presentationml/2006/main">
-  <p:tag name="KSO_WM_UNIT_HIGHLIGHT" val="0"/>
-  <p:tag name="KSO_WM_UNIT_COMPATIBLE" val="0"/>
-  <p:tag name="KSO_WM_UNIT_DIAGRAM_ISNUMVISUAL" val="0"/>
-  <p:tag name="KSO_WM_UNIT_DIAGRAM_ISREFERUNIT" val="0"/>
-  <p:tag name="KSO_WM_UNIT_LAYERLEVEL" val="1"/>
-  <p:tag name="KSO_WM_TAG_VERSION" val="1.0"/>
-  <p:tag name="KSO_WM_BEAUTIFY_FLAG" val="#wm#"/>
-  <p:tag name="KSO_WM_UNIT_BLOCK" val="0"/>
-  <p:tag name="KSO_WM_UNIT_SM_LIMIT_TYPE" val="1"/>
-  <p:tag name="KSO_WM_UNIT_TYPE" val="i"/>
-  <p:tag name="KSO_WM_UNIT_INDEX" val="4"/>
-  <p:tag name="KSO_WM_TEMPLATE_CATEGORY" val="custom"/>
-  <p:tag name="KSO_WM_TEMPLATE_INDEX" val="20204278"/>
-  <p:tag name="KSO_WM_UNIT_ID" val="custom20204278_17*i*4"/>
-</p:tagLst>
-</file>
-
-<file path=ppt/tags/tag348.xml><?xml version="1.0" encoding="utf-8"?>
-<p:tagLst xmlns:p="http://schemas.openxmlformats.org/presentationml/2006/main">
-  <p:tag name="KSO_WM_UNIT_NOCLEAR" val="0"/>
-  <p:tag name="KSO_WM_UNIT_HIGHLIGHT" val="0"/>
-  <p:tag name="KSO_WM_UNIT_COMPATIBLE" val="0"/>
-  <p:tag name="KSO_WM_UNIT_DIAGRAM_ISNUMVISUAL" val="0"/>
-  <p:tag name="KSO_WM_UNIT_DIAGRAM_ISREFERUNIT" val="0"/>
-  <p:tag name="KSO_WM_UNIT_TYPE" val="k"/>
-  <p:tag name="KSO_WM_UNIT_INDEX" val="1"/>
-  <p:tag name="KSO_WM_UNIT_LAYERLEVEL" val="1"/>
-  <p:tag name="KSO_WM_TAG_VERSION" val="1.0"/>
-  <p:tag name="KSO_WM_BEAUTIFY_FLAG" val="#wm#"/>
-  <p:tag name="KSO_WM_UNIT_BLOCK" val="0"/>
-  <p:tag name="KSO_WM_UNIT_SM_LIMIT_TYPE" val="1"/>
-  <p:tag name="KSO_WM_UNIT_VALUE" val="3"/>
-  <p:tag name="KSO_WM_UNIT_PRESET_TEXT" val="LOGO"/>
-  <p:tag name="KSO_WM_TEMPLATE_CATEGORY" val="custom"/>
-  <p:tag name="KSO_WM_TEMPLATE_INDEX" val="20204278"/>
-  <p:tag name="KSO_WM_UNIT_ID" val="custom20204278_17*k*1"/>
-</p:tagLst>
-</file>
-
-<file path=ppt/tags/tag349.xml><?xml version="1.0" encoding="utf-8"?>
-<p:tagLst xmlns:p="http://schemas.openxmlformats.org/presentationml/2006/main">
-  <p:tag name="KSO_WM_TEMPLATE_SUBCATEGORY" val="0"/>
-  <p:tag name="KSO_WM_SLIDE_ITEM_CNT" val="0"/>
-  <p:tag name="KSO_WM_SLIDE_INDEX" val="17"/>
-  <p:tag name="KSO_WM_TAG_VERSION" val="1.0"/>
-  <p:tag name="KSO_WM_BEAUTIFY_FLAG" val="#wm#"/>
-  <p:tag name="KSO_WM_SLIDE_LAYOUT" val="a_d_i_k"/>
-  <p:tag name="KSO_WM_SLIDE_LAYOUT_CNT" val="1_1_1_1"/>
-  <p:tag name="KSO_WM_SLIDE_TYPE" val="text"/>
-  <p:tag name="KSO_WM_SLIDE_SUBTYPE" val="picTxt"/>
-  <p:tag name="KSO_WM_SLIDE_SIZE" val="960*540"/>
-  <p:tag name="KSO_WM_SLIDE_POSITION" val="0*0"/>
-  <p:tag name="KSO_WM_SLIDE_LAYOUT_INFO" val="{&quot;direction&quot;:1,&quot;horizontalAlign&quot;:1,&quot;verticalAlign&quot;:1,&quot;type&quot;:0,&quot;diagramDirection&quot;:0,&quot;canSetOverLayout&quot;:0,&quot;isOverLayout&quot;:0,&quot;normalSize&quot;:{&quot;size1&quot;:50.1},&quot;minSize&quot;:{&quot;size1&quot;:31.6},&quot;maxSize&quot;:{&quot;size1&quot;:66.6},&quot;edge&quot;:{&quot;left&quot;:true,&quot;top&quot;:true,&quot;right&quot;:true,&quot;bottom&quot;:true},&quot;backgroundInfo&quot;:[{&quot;type&quot;:&quot;general&quot;,&quot;left&quot;:0.0,&quot;top&quot;:0.0,&quot;right&quot;:0.0,&quot;bottom&quot;:0.0,&quot;leftAbs&quot;:false,&quot;topAbs&quot;:false,&quot;rightAbs&quot;:false,&quot;bottomAbs&quot;:false},{&quot;type&quot;:&quot;belt&quot;,&quot;left&quot;:0.0,&quot;top&quot;:0.0,&quot;right&quot;:0.0,&quot;bottom&quot;:0.0,&quot;leftAbs&quot;:false,&quot;topAbs&quot;:false,&quot;rightAbs&quot;:false,&quot;bottomAbs&quot;:false}],&quot;subLayout&quot;:[{&quot;direction&quot;:0,&quot;horizontalAlign&quot;:2,&quot;verticalAlign&quot;:1,&quot;type&quot;:0,&quot;diagramDirection&quot;:0,&quot;canSetOverLayout&quot;:1,&quot;isOverLayout&quot;:1,&quot;margin&quot;:{&quot;left&quot;:1.27,&quot;top&quot;:2.54,&quot;right&quot;:0.026,&quot;bottom&quot;:2.54},&quot;marginOverLayout&quot;:{&quot;left&quot;:0.0,&quot;top&quot;:0.0,&quot;right&quot;:0.026,&quot;bottom&quot;:0.0},&quot;edge&quot;:{&quot;left&quot;:true,&quot;top&quot;:true,&quot;right&quot;:false,&quot;bottom&quot;:true},&quot;backgroundInfo&quot;:[{&quot;type&quot;:&quot;leftRight&quot;,&quot;left&quot;:0.0,&quot;top&quot;:0.0,&quot;right&quot;:0.0,&quot;bottom&quot;:0.0,&quot;leftAbs&quot;:false,&quot;topAbs&quot;:false,&quot;rightAbs&quot;:false,&quot;bottomAbs&quot;:false}]},{&quot;direction&quot;:0,&quot;horizontalAlign&quot;:0,&quot;verticalAlign&quot;:1,&quot;type&quot;:0,&quot;diagramDirection&quot;:0,&quot;canSetOverLayout&quot;:0,&quot;isOverLayout&quot;:0,&quot;margin&quot;:{&quot;left&quot;:1.69,&quot;top&quot;:2.54,&quot;right&quot;:1.27,&quot;bottom&quot;:2.54},&quot;edge&quot;:{&quot;left&quot;:false,&quot;top&quot;:true,&quot;right&quot;:true,&quot;bottom&quot;:true}}]}"/>
-  <p:tag name="KSO_WM_SLIDE_CAN_ADD_NAVIGATION" val="1"/>
-  <p:tag name="KSO_WM_SLIDE_BACKGROUND" val="[&quot;general&quot;,&quot;belt&quot;,&quot;leftRight&quot;]"/>
-  <p:tag name="KSO_WM_SLIDE_RATIO" val="1.777778"/>
-  <p:tag name="KSO_WM_TEMPLATE_MASTER_TYPE" val="1"/>
-  <p:tag name="KSO_WM_TEMPLATE_COLOR_TYPE" val="1"/>
-  <p:tag name="KSO_WM_TEMPLATE_CATEGORY" val="custom"/>
-  <p:tag name="KSO_WM_TEMPLATE_INDEX" val="20204278"/>
-  <p:tag name="KSO_WM_SLIDE_ID" val="custom20204278_17"/>
-</p:tagLst>
-</file>
-
-<file path=ppt/tags/tag35.xml><?xml version="1.0" encoding="utf-8"?>
-<p:tagLst xmlns:p="http://schemas.openxmlformats.org/presentationml/2006/main">
-  <p:tag name="KSO_WM_UNIT_HIGHLIGHT" val="0"/>
-  <p:tag name="KSO_WM_UNIT_COMPATIBLE" val="0"/>
-  <p:tag name="KSO_WM_UNIT_DIAGRAM_ISNUMVISUAL" val="0"/>
-  <p:tag name="KSO_WM_UNIT_DIAGRAM_ISREFERUNIT" val="0"/>
-  <p:tag name="KSO_WM_UNIT_ID" val="_5**"/>
-  <p:tag name="KSO_WM_UNIT_LAYERLEVEL" val="1"/>
-  <p:tag name="KSO_WM_TAG_VERSION" val="1.0"/>
-  <p:tag name="KSO_WM_BEAUTIFY_FLAG" val="#wm#"/>
-</p:tagLst>
-</file>
-
-<file path=ppt/tags/tag350.xml><?xml version="1.0" encoding="utf-8"?>
-<p:tagLst xmlns:p="http://schemas.openxmlformats.org/presentationml/2006/main">
   <p:tag name="KSO_WM_UNIT_HIGHLIGHT" val="0"/>
   <p:tag name="KSO_WM_UNIT_COMPATIBLE" val="0"/>
   <p:tag name="KSO_WM_UNIT_DIAGRAM_ISNUMVISUAL" val="0"/>
@@ -28534,7 +27777,7 @@
 </p:tagLst>
 </file>
 
-<file path=ppt/tags/tag351.xml><?xml version="1.0" encoding="utf-8"?>
+<file path=ppt/tags/tag343.xml><?xml version="1.0" encoding="utf-8"?>
 <p:tagLst xmlns:p="http://schemas.openxmlformats.org/presentationml/2006/main">
   <p:tag name="KSO_WM_UNIT_HIGHLIGHT" val="0"/>
   <p:tag name="KSO_WM_UNIT_COMPATIBLE" val="0"/>
@@ -28556,7 +27799,7 @@
 </p:tagLst>
 </file>
 
-<file path=ppt/tags/tag352.xml><?xml version="1.0" encoding="utf-8"?>
+<file path=ppt/tags/tag344.xml><?xml version="1.0" encoding="utf-8"?>
 <p:tagLst xmlns:p="http://schemas.openxmlformats.org/presentationml/2006/main">
   <p:tag name="KSO_WM_UNIT_ISCONTENTSTITLE" val="0"/>
   <p:tag name="KSO_WM_UNIT_PRESET_TEXT" val="汇报人姓名"/>
@@ -28578,7 +27821,7 @@
 </p:tagLst>
 </file>
 
-<file path=ppt/tags/tag353.xml><?xml version="1.0" encoding="utf-8"?>
+<file path=ppt/tags/tag345.xml><?xml version="1.0" encoding="utf-8"?>
 <p:tagLst xmlns:p="http://schemas.openxmlformats.org/presentationml/2006/main">
   <p:tag name="KSO_WM_UNIT_ISCONTENTSTITLE" val="0"/>
   <p:tag name="KSO_WM_UNIT_PRESET_TEXT" val="汇报日期"/>
@@ -28600,7 +27843,7 @@
 </p:tagLst>
 </file>
 
-<file path=ppt/tags/tag354.xml><?xml version="1.0" encoding="utf-8"?>
+<file path=ppt/tags/tag346.xml><?xml version="1.0" encoding="utf-8"?>
 <p:tagLst xmlns:p="http://schemas.openxmlformats.org/presentationml/2006/main">
   <p:tag name="KSO_WM_TEMPLATE_THUMBS_INDEX" val="1"/>
   <p:tag name="KSO_WM_TEMPLATE_SUBCATEGORY" val="0"/>
@@ -28620,9 +27863,22 @@
 </p:tagLst>
 </file>
 
-<file path=ppt/tags/tag355.xml><?xml version="1.0" encoding="utf-8"?>
+<file path=ppt/tags/tag347.xml><?xml version="1.0" encoding="utf-8"?>
 <p:tagLst xmlns:p="http://schemas.openxmlformats.org/presentationml/2006/main">
   <p:tag name="commondata" val="eyJoZGlkIjoiM2QwM2E3OTk5ZjViYjU1NmVlYmE1OTk4YzIxMzNkZmQifQ=="/>
+</p:tagLst>
+</file>
+
+<file path=ppt/tags/tag35.xml><?xml version="1.0" encoding="utf-8"?>
+<p:tagLst xmlns:p="http://schemas.openxmlformats.org/presentationml/2006/main">
+  <p:tag name="KSO_WM_UNIT_HIGHLIGHT" val="0"/>
+  <p:tag name="KSO_WM_UNIT_COMPATIBLE" val="0"/>
+  <p:tag name="KSO_WM_UNIT_DIAGRAM_ISNUMVISUAL" val="0"/>
+  <p:tag name="KSO_WM_UNIT_DIAGRAM_ISREFERUNIT" val="0"/>
+  <p:tag name="KSO_WM_UNIT_ID" val="_5**"/>
+  <p:tag name="KSO_WM_UNIT_LAYERLEVEL" val="1"/>
+  <p:tag name="KSO_WM_TAG_VERSION" val="1.0"/>
+  <p:tag name="KSO_WM_BEAUTIFY_FLAG" val="#wm#"/>
 </p:tagLst>
 </file>
 

--- a/report/15week-lxr.pptx
+++ b/report/15week-lxr.pptx
@@ -15,14 +15,15 @@
     <p:sldId id="266" r:id="rId8"/>
     <p:sldId id="272" r:id="rId9"/>
     <p:sldId id="267" r:id="rId10"/>
-    <p:sldId id="268" r:id="rId11"/>
-    <p:sldId id="269" r:id="rId12"/>
-    <p:sldId id="271" r:id="rId13"/>
+    <p:sldId id="277" r:id="rId11"/>
+    <p:sldId id="268" r:id="rId12"/>
+    <p:sldId id="269" r:id="rId13"/>
+    <p:sldId id="271" r:id="rId14"/>
   </p:sldIdLst>
   <p:sldSz cx="12192000" cy="6858000"/>
   <p:notesSz cx="6858000" cy="9144000"/>
   <p:custDataLst>
-    <p:tags r:id="rId18"/>
+    <p:tags r:id="rId19"/>
   </p:custDataLst>
   <p:defaultTextStyle>
     <a:defPPr>
@@ -127,7 +128,7 @@
             <a:srgbClr val="A4A3A4"/>
           </p15:clr>
         </p15:guide>
-        <p15:guide id="2" pos="3839" userDrawn="1">
+        <p15:guide id="2" pos="3840" userDrawn="1">
           <p15:clr>
             <a:srgbClr val="A4A3A4"/>
           </p15:clr>
@@ -17894,6 +17895,138 @@
 </p:sld>
 </file>
 
+<file path=ppt/slides/slide10.xml><?xml version="1.0" encoding="utf-8"?>
+<p:sld xmlns:a="http://schemas.openxmlformats.org/drawingml/2006/main" xmlns:r="http://schemas.openxmlformats.org/officeDocument/2006/relationships" xmlns:p="http://schemas.openxmlformats.org/presentationml/2006/main">
+  <p:cSld>
+    <p:spTree>
+      <p:nvGrpSpPr>
+        <p:cNvPr id="1" name=""/>
+        <p:cNvGrpSpPr/>
+        <p:nvPr/>
+      </p:nvGrpSpPr>
+      <p:grpSpPr>
+        <a:xfrm>
+          <a:off x="0" y="0"/>
+          <a:ext cx="0" cy="0"/>
+          <a:chOff x="0" y="0"/>
+          <a:chExt cx="0" cy="0"/>
+        </a:xfrm>
+      </p:grpSpPr>
+      <p:sp>
+        <p:nvSpPr>
+          <p:cNvPr id="4" name="标题 3"/>
+          <p:cNvSpPr>
+            <a:spLocks noGrp="1"/>
+          </p:cNvSpPr>
+          <p:nvPr>
+            <p:ph type="title" idx="13"/>
+            <p:custDataLst>
+              <p:tags r:id="rId1"/>
+            </p:custDataLst>
+          </p:nvPr>
+        </p:nvSpPr>
+        <p:spPr/>
+        <p:txBody>
+          <a:bodyPr/>
+          <a:lstStyle/>
+          <a:p>
+            <a:r>
+              <a:rPr lang="zh-CN" altLang="en-US"/>
+              <a:t>谢谢聆听</a:t>
+            </a:r>
+            <a:endParaRPr lang="zh-CN" altLang="en-US"/>
+          </a:p>
+        </p:txBody>
+      </p:sp>
+      <p:sp>
+        <p:nvSpPr>
+          <p:cNvPr id="5" name="文本占位符 4"/>
+          <p:cNvSpPr>
+            <a:spLocks noGrp="1"/>
+          </p:cNvSpPr>
+          <p:nvPr>
+            <p:ph type="body" idx="14"/>
+            <p:custDataLst>
+              <p:tags r:id="rId2"/>
+            </p:custDataLst>
+          </p:nvPr>
+        </p:nvSpPr>
+        <p:spPr/>
+        <p:txBody>
+          <a:bodyPr/>
+          <a:lstStyle/>
+          <a:p>
+            <a:r>
+              <a:rPr lang="zh-CN" altLang="en-US"/>
+              <a:t>单击此处添加副标题内容</a:t>
+            </a:r>
+            <a:endParaRPr lang="zh-CN" altLang="en-US"/>
+          </a:p>
+        </p:txBody>
+      </p:sp>
+      <p:sp>
+        <p:nvSpPr>
+          <p:cNvPr id="6" name="文本占位符 5"/>
+          <p:cNvSpPr>
+            <a:spLocks noGrp="1"/>
+          </p:cNvSpPr>
+          <p:nvPr>
+            <p:ph type="body" sz="quarter" idx="15"/>
+            <p:custDataLst>
+              <p:tags r:id="rId3"/>
+            </p:custDataLst>
+          </p:nvPr>
+        </p:nvSpPr>
+        <p:spPr/>
+        <p:txBody>
+          <a:bodyPr/>
+          <a:lstStyle/>
+          <a:p>
+            <a:r>
+              <a:rPr lang="zh-CN" altLang="en-US" dirty="0"/>
+              <a:t>汇报人姓名</a:t>
+            </a:r>
+            <a:endParaRPr lang="zh-CN" altLang="en-US" dirty="0"/>
+          </a:p>
+        </p:txBody>
+      </p:sp>
+      <p:sp>
+        <p:nvSpPr>
+          <p:cNvPr id="7" name="文本占位符 6"/>
+          <p:cNvSpPr>
+            <a:spLocks noGrp="1"/>
+          </p:cNvSpPr>
+          <p:nvPr>
+            <p:ph type="body" sz="quarter" idx="16"/>
+            <p:custDataLst>
+              <p:tags r:id="rId4"/>
+            </p:custDataLst>
+          </p:nvPr>
+        </p:nvSpPr>
+        <p:spPr/>
+        <p:txBody>
+          <a:bodyPr/>
+          <a:lstStyle/>
+          <a:p>
+            <a:r>
+              <a:rPr lang="zh-CN" altLang="en-US" dirty="0"/>
+              <a:t>汇报日期</a:t>
+            </a:r>
+            <a:endParaRPr lang="zh-CN" altLang="en-US" dirty="0"/>
+          </a:p>
+        </p:txBody>
+      </p:sp>
+    </p:spTree>
+    <p:custDataLst>
+      <p:tags r:id="rId5"/>
+    </p:custDataLst>
+  </p:cSld>
+  <p:clrMapOvr>
+    <a:masterClrMapping/>
+  </p:clrMapOvr>
+</p:sld>
+</file>
+
 <file path=ppt/slides/slide2.xml><?xml version="1.0" encoding="utf-8"?>
 <p:sld xmlns:a="http://schemas.openxmlformats.org/drawingml/2006/main" xmlns:r="http://schemas.openxmlformats.org/officeDocument/2006/relationships" xmlns:p="http://schemas.openxmlformats.org/presentationml/2006/main">
   <p:cSld>
@@ -22537,7 +22670,7 @@
                 <a:ea typeface="微软雅黑" panose="020B0503020204020204" charset="-122"/>
                 <a:cs typeface="微软雅黑" panose="020B0503020204020204" charset="-122"/>
               </a:rPr>
-              <a:t>通信</a:t>
+              <a:t>使用</a:t>
             </a:r>
             <a:r>
               <a:rPr lang="zh-CN" altLang="en-US" sz="3200" b="1" spc="150" dirty="0">
@@ -22747,6 +22880,598 @@
           </a:p>
         </p:txBody>
       </p:sp>
+      <p:graphicFrame>
+        <p:nvGraphicFramePr>
+          <p:cNvPr id="2" name="对象 1"/>
+          <p:cNvGraphicFramePr/>
+          <p:nvPr>
+            <p:custDataLst>
+              <p:tags r:id="rId10"/>
+            </p:custDataLst>
+          </p:nvPr>
+        </p:nvGraphicFramePr>
+        <p:xfrm>
+          <a:off x="1899285" y="1904365"/>
+          <a:ext cx="8213090" cy="3815715"/>
+        </p:xfrm>
+        <a:graphic>
+          <a:graphicData uri="http://schemas.openxmlformats.org/presentationml/2006/ole">
+            <mc:AlternateContent xmlns:mc="http://schemas.openxmlformats.org/markup-compatibility/2006">
+              <mc:Choice xmlns:v="urn:schemas-microsoft-com:vml" Requires="v">
+                <p:oleObj spid="_x0000_s5" name="" r:id="rId11" imgW="5016500" imgH="2259965" progId="Visio.Drawing.15">
+                  <p:embed/>
+                </p:oleObj>
+              </mc:Choice>
+              <mc:Fallback>
+                <p:oleObj name="" r:id="rId11" imgW="5016500" imgH="2259965" progId="Visio.Drawing.15">
+                  <p:embed/>
+                  <p:pic>
+                    <p:nvPicPr>
+                      <p:cNvPr id="0" name="图片 4"/>
+                      <p:cNvPicPr/>
+                      <p:nvPr/>
+                    </p:nvPicPr>
+                    <p:blipFill>
+                      <a:blip r:embed="rId12"/>
+                      <a:stretch>
+                        <a:fillRect/>
+                      </a:stretch>
+                    </p:blipFill>
+                    <p:spPr>
+                      <a:xfrm>
+                        <a:off x="1899285" y="1904365"/>
+                        <a:ext cx="8213090" cy="3815715"/>
+                      </a:xfrm>
+                      <a:prstGeom prst="rect">
+                        <a:avLst/>
+                      </a:prstGeom>
+                    </p:spPr>
+                  </p:pic>
+                </p:oleObj>
+              </mc:Fallback>
+            </mc:AlternateContent>
+          </a:graphicData>
+        </a:graphic>
+      </p:graphicFrame>
+      <p:sp>
+        <p:nvSpPr>
+          <p:cNvPr id="9" name="任意多边形 8"/>
+          <p:cNvSpPr/>
+          <p:nvPr>
+            <p:custDataLst>
+              <p:tags r:id="rId13"/>
+            </p:custDataLst>
+          </p:nvPr>
+        </p:nvSpPr>
+        <p:spPr>
+          <a:xfrm>
+            <a:off x="1160836" y="1371600"/>
+            <a:ext cx="481412" cy="691683"/>
+          </a:xfrm>
+          <a:custGeom>
+            <a:avLst/>
+            <a:gdLst>
+              <a:gd name="connsiteX0" fmla="*/ 0 w 1500"/>
+              <a:gd name="connsiteY0" fmla="*/ 0 h 1449"/>
+              <a:gd name="connsiteX1" fmla="*/ 1500 w 1500"/>
+              <a:gd name="connsiteY1" fmla="*/ 0 h 1449"/>
+              <a:gd name="connsiteX2" fmla="*/ 1500 w 1500"/>
+              <a:gd name="connsiteY2" fmla="*/ 1449 h 1449"/>
+              <a:gd name="connsiteX3" fmla="*/ 768 w 1500"/>
+              <a:gd name="connsiteY3" fmla="*/ 1098 h 1449"/>
+              <a:gd name="connsiteX4" fmla="*/ 0 w 1500"/>
+              <a:gd name="connsiteY4" fmla="*/ 1449 h 1449"/>
+              <a:gd name="connsiteX5" fmla="*/ 0 w 1500"/>
+              <a:gd name="connsiteY5" fmla="*/ 0 h 1449"/>
+            </a:gdLst>
+            <a:ahLst/>
+            <a:cxnLst>
+              <a:cxn ang="0">
+                <a:pos x="connsiteX0" y="connsiteY0"/>
+              </a:cxn>
+              <a:cxn ang="0">
+                <a:pos x="connsiteX1" y="connsiteY1"/>
+              </a:cxn>
+              <a:cxn ang="0">
+                <a:pos x="connsiteX2" y="connsiteY2"/>
+              </a:cxn>
+              <a:cxn ang="0">
+                <a:pos x="connsiteX3" y="connsiteY3"/>
+              </a:cxn>
+              <a:cxn ang="0">
+                <a:pos x="connsiteX4" y="connsiteY4"/>
+              </a:cxn>
+              <a:cxn ang="0">
+                <a:pos x="connsiteX5" y="connsiteY5"/>
+              </a:cxn>
+            </a:cxnLst>
+            <a:rect l="l" t="t" r="r" b="b"/>
+            <a:pathLst>
+              <a:path w="1500" h="1449">
+                <a:moveTo>
+                  <a:pt x="0" y="0"/>
+                </a:moveTo>
+                <a:lnTo>
+                  <a:pt x="1500" y="0"/>
+                </a:lnTo>
+                <a:lnTo>
+                  <a:pt x="1500" y="1449"/>
+                </a:lnTo>
+                <a:lnTo>
+                  <a:pt x="768" y="1098"/>
+                </a:lnTo>
+                <a:lnTo>
+                  <a:pt x="0" y="1449"/>
+                </a:lnTo>
+                <a:lnTo>
+                  <a:pt x="0" y="0"/>
+                </a:lnTo>
+                <a:close/>
+              </a:path>
+            </a:pathLst>
+          </a:custGeom>
+          <a:solidFill>
+            <a:schemeClr val="accent1">
+              <a:lumMod val="20000"/>
+              <a:lumOff val="80000"/>
+            </a:schemeClr>
+          </a:solidFill>
+          <a:ln>
+            <a:noFill/>
+          </a:ln>
+        </p:spPr>
+        <p:style>
+          <a:lnRef idx="2">
+            <a:schemeClr val="accent1">
+              <a:shade val="50000"/>
+            </a:schemeClr>
+          </a:lnRef>
+          <a:fillRef idx="1">
+            <a:schemeClr val="accent1"/>
+          </a:fillRef>
+          <a:effectRef idx="0">
+            <a:schemeClr val="accent1"/>
+          </a:effectRef>
+          <a:fontRef idx="minor">
+            <a:schemeClr val="lt1"/>
+          </a:fontRef>
+        </p:style>
+        <p:txBody>
+          <a:bodyPr rtlCol="0" anchor="ctr"/>
+          <a:p>
+            <a:pPr algn="ctr"/>
+            <a:endParaRPr lang="zh-CN" altLang="en-US"/>
+          </a:p>
+        </p:txBody>
+      </p:sp>
+    </p:spTree>
+    <p:custDataLst>
+      <p:tags r:id="rId14"/>
+    </p:custDataLst>
+  </p:cSld>
+  <p:clrMapOvr>
+    <a:masterClrMapping/>
+  </p:clrMapOvr>
+</p:sld>
+</file>
+
+<file path=ppt/slides/slide7.xml><?xml version="1.0" encoding="utf-8"?>
+<p:sld xmlns:a="http://schemas.openxmlformats.org/drawingml/2006/main" xmlns:r="http://schemas.openxmlformats.org/officeDocument/2006/relationships" xmlns:p="http://schemas.openxmlformats.org/presentationml/2006/main">
+  <p:cSld>
+    <p:spTree>
+      <p:nvGrpSpPr>
+        <p:cNvPr id="1" name=""/>
+        <p:cNvGrpSpPr/>
+        <p:nvPr/>
+      </p:nvGrpSpPr>
+      <p:grpSpPr>
+        <a:xfrm>
+          <a:off x="0" y="0"/>
+          <a:ext cx="0" cy="0"/>
+          <a:chOff x="0" y="0"/>
+          <a:chExt cx="0" cy="0"/>
+        </a:xfrm>
+      </p:grpSpPr>
+      <p:sp>
+        <p:nvSpPr>
+          <p:cNvPr id="6" name="矩形 5"/>
+          <p:cNvSpPr/>
+          <p:nvPr>
+            <p:custDataLst>
+              <p:tags r:id="rId1"/>
+            </p:custDataLst>
+          </p:nvPr>
+        </p:nvSpPr>
+        <p:spPr>
+          <a:xfrm>
+            <a:off x="-635" y="0"/>
+            <a:ext cx="12192000" cy="914400"/>
+          </a:xfrm>
+          <a:prstGeom prst="rect">
+            <a:avLst/>
+          </a:prstGeom>
+          <a:solidFill>
+            <a:schemeClr val="tx2"/>
+          </a:solidFill>
+          <a:ln w="12700" cap="flat" cmpd="sng" algn="ctr">
+            <a:solidFill>
+              <a:schemeClr val="accent1">
+                <a:shade val="50000"/>
+                <a:alpha val="0"/>
+              </a:schemeClr>
+            </a:solidFill>
+            <a:prstDash val="solid"/>
+            <a:miter lim="800000"/>
+            <a:headEnd type="none" w="med" len="med"/>
+            <a:tailEnd type="none" w="med" len="med"/>
+          </a:ln>
+        </p:spPr>
+        <p:style>
+          <a:lnRef idx="2">
+            <a:schemeClr val="accent1">
+              <a:shade val="50000"/>
+            </a:schemeClr>
+          </a:lnRef>
+          <a:fillRef idx="1">
+            <a:schemeClr val="accent1"/>
+          </a:fillRef>
+          <a:effectRef idx="0">
+            <a:schemeClr val="accent1"/>
+          </a:effectRef>
+          <a:fontRef idx="minor">
+            <a:schemeClr val="lt1"/>
+          </a:fontRef>
+        </p:style>
+        <p:txBody>
+          <a:bodyPr rtlCol="0" anchor="ctr"/>
+          <a:lstStyle/>
+          <a:p>
+            <a:pPr algn="ctr"/>
+            <a:endParaRPr lang="zh-CN" altLang="en-US"/>
+          </a:p>
+        </p:txBody>
+      </p:sp>
+      <p:pic>
+        <p:nvPicPr>
+          <p:cNvPr id="7" name="图片 6"/>
+          <p:cNvPicPr/>
+          <p:nvPr>
+            <p:custDataLst>
+              <p:tags r:id="rId2"/>
+            </p:custDataLst>
+          </p:nvPr>
+        </p:nvPicPr>
+        <p:blipFill>
+          <a:blip r:embed="rId3" r:link="rId4" cstate="email"/>
+          <a:stretch>
+            <a:fillRect/>
+          </a:stretch>
+        </p:blipFill>
+        <p:spPr>
+          <a:xfrm>
+            <a:off x="11471910" y="6137910"/>
+            <a:ext cx="720090" cy="720090"/>
+          </a:xfrm>
+          <a:prstGeom prst="rect">
+            <a:avLst/>
+          </a:prstGeom>
+        </p:spPr>
+      </p:pic>
+      <p:pic>
+        <p:nvPicPr>
+          <p:cNvPr id="8" name="图片 7"/>
+          <p:cNvPicPr/>
+          <p:nvPr>
+            <p:custDataLst>
+              <p:tags r:id="rId5"/>
+            </p:custDataLst>
+          </p:nvPr>
+        </p:nvPicPr>
+        <p:blipFill>
+          <a:blip r:embed="rId6" r:link="rId7" cstate="email"/>
+          <a:stretch>
+            <a:fillRect/>
+          </a:stretch>
+        </p:blipFill>
+        <p:spPr>
+          <a:xfrm>
+            <a:off x="0" y="6137910"/>
+            <a:ext cx="720090" cy="720090"/>
+          </a:xfrm>
+          <a:prstGeom prst="rect">
+            <a:avLst/>
+          </a:prstGeom>
+        </p:spPr>
+      </p:pic>
+      <p:sp>
+        <p:nvSpPr>
+          <p:cNvPr id="3" name="Title 6"/>
+          <p:cNvSpPr txBox="1"/>
+          <p:nvPr>
+            <p:custDataLst>
+              <p:tags r:id="rId8"/>
+            </p:custDataLst>
+          </p:nvPr>
+        </p:nvSpPr>
+        <p:spPr>
+          <a:xfrm>
+            <a:off x="608399" y="153000"/>
+            <a:ext cx="10974649" cy="608400"/>
+          </a:xfrm>
+          <a:prstGeom prst="rect">
+            <a:avLst/>
+          </a:prstGeom>
+          <a:noFill/>
+          <a:ln w="3175">
+            <a:noFill/>
+            <a:prstDash val="dash"/>
+          </a:ln>
+        </p:spPr>
+        <p:txBody>
+          <a:bodyPr wrap="square" lIns="72000" tIns="36000" rIns="72000" bIns="36000" anchor="b" anchorCtr="0">
+            <a:normAutofit/>
+          </a:bodyPr>
+          <a:lstStyle>
+            <a:lvl1pPr algn="l" defTabSz="913765" rtl="0" eaLnBrk="1" latinLnBrk="0" hangingPunct="1">
+              <a:lnSpc>
+                <a:spcPct val="90000"/>
+              </a:lnSpc>
+              <a:spcBef>
+                <a:spcPct val="0"/>
+              </a:spcBef>
+              <a:buNone/>
+              <a:defRPr lang="en-US" sz="2745" b="0" kern="1200" cap="none" spc="-49" baseline="0" dirty="0" smtClean="0">
+                <a:ln w="3175">
+                  <a:noFill/>
+                </a:ln>
+                <a:solidFill>
+                  <a:schemeClr val="tx1"/>
+                </a:solidFill>
+                <a:effectLst/>
+                <a:latin typeface="+mj-lt"/>
+                <a:ea typeface="+mn-ea"/>
+                <a:cs typeface="Segoe UI" panose="020B0502040204020203" pitchFamily="34" charset="0"/>
+              </a:defRPr>
+            </a:lvl1pPr>
+          </a:lstStyle>
+          <a:p>
+            <a:pPr lvl="0">
+              <a:lnSpc>
+                <a:spcPct val="100000"/>
+              </a:lnSpc>
+            </a:pPr>
+            <a:r>
+              <a:rPr lang="zh-CN" altLang="en-US" sz="3200" b="1" spc="150" dirty="0">
+                <a:ln w="3175">
+                  <a:noFill/>
+                  <a:prstDash val="dash"/>
+                </a:ln>
+                <a:latin typeface="Arial" panose="020B0604020202020204" pitchFamily="34" charset="0"/>
+                <a:ea typeface="微软雅黑" panose="020B0503020204020204" charset="-122"/>
+                <a:cs typeface="微软雅黑" panose="020B0503020204020204" charset="-122"/>
+              </a:rPr>
+              <a:t>核心代码</a:t>
+            </a:r>
+            <a:r>
+              <a:rPr altLang="zh-CN" sz="3200" b="1" spc="150" dirty="0">
+                <a:ln w="3175">
+                  <a:noFill/>
+                  <a:prstDash val="dash"/>
+                </a:ln>
+                <a:latin typeface="Arial" panose="020B0604020202020204" pitchFamily="34" charset="0"/>
+                <a:ea typeface="微软雅黑" panose="020B0503020204020204" charset="-122"/>
+                <a:cs typeface="微软雅黑" panose="020B0503020204020204" charset="-122"/>
+              </a:rPr>
+              <a:t>:</a:t>
+            </a:r>
+            <a:r>
+              <a:rPr lang="zh-CN" altLang="en-US" sz="3200" b="1" spc="150" dirty="0">
+                <a:ln w="3175">
+                  <a:noFill/>
+                  <a:prstDash val="dash"/>
+                </a:ln>
+                <a:latin typeface="Arial" panose="020B0604020202020204" pitchFamily="34" charset="0"/>
+                <a:ea typeface="微软雅黑" panose="020B0503020204020204" charset="-122"/>
+                <a:cs typeface="微软雅黑" panose="020B0503020204020204" charset="-122"/>
+              </a:rPr>
+              <a:t>初始化</a:t>
+            </a:r>
+            <a:endParaRPr lang="zh-CN" altLang="en-US" sz="3200" b="1" spc="150" dirty="0">
+              <a:ln w="3175">
+                <a:noFill/>
+                <a:prstDash val="dash"/>
+              </a:ln>
+              <a:latin typeface="Arial" panose="020B0604020202020204" pitchFamily="34" charset="0"/>
+              <a:ea typeface="微软雅黑" panose="020B0503020204020204" charset="-122"/>
+              <a:cs typeface="微软雅黑" panose="020B0503020204020204" charset="-122"/>
+            </a:endParaRPr>
+          </a:p>
+        </p:txBody>
+      </p:sp>
+      <p:sp>
+        <p:nvSpPr>
+          <p:cNvPr id="4" name="矩形 3"/>
+          <p:cNvSpPr/>
+          <p:nvPr>
+            <p:custDataLst>
+              <p:tags r:id="rId9"/>
+            </p:custDataLst>
+          </p:nvPr>
+        </p:nvSpPr>
+        <p:spPr>
+          <a:xfrm>
+            <a:off x="505460" y="1149985"/>
+            <a:ext cx="11334750" cy="5052695"/>
+          </a:xfrm>
+          <a:prstGeom prst="rect">
+            <a:avLst/>
+          </a:prstGeom>
+          <a:solidFill>
+            <a:schemeClr val="bg2"/>
+          </a:solidFill>
+          <a:ln>
+            <a:noFill/>
+          </a:ln>
+          <a:effectLst>
+            <a:outerShdw blurRad="127000" dist="38100" dir="5400000" algn="t" rotWithShape="0">
+              <a:schemeClr val="tx1">
+                <a:lumMod val="95000"/>
+                <a:lumOff val="5000"/>
+                <a:alpha val="20000"/>
+              </a:schemeClr>
+            </a:outerShdw>
+          </a:effectLst>
+        </p:spPr>
+        <p:style>
+          <a:lnRef idx="2">
+            <a:schemeClr val="accent1">
+              <a:shade val="50000"/>
+            </a:schemeClr>
+          </a:lnRef>
+          <a:fillRef idx="1">
+            <a:schemeClr val="accent1"/>
+          </a:fillRef>
+          <a:effectRef idx="0">
+            <a:schemeClr val="accent1"/>
+          </a:effectRef>
+          <a:fontRef idx="minor">
+            <a:schemeClr val="lt1"/>
+          </a:fontRef>
+        </p:style>
+        <p:txBody>
+          <a:bodyPr rtlCol="0" anchor="ctr"/>
+          <a:lstStyle>
+            <a:defPPr>
+              <a:defRPr lang="zh-CN">
+                <a:solidFill>
+                  <a:schemeClr val="lt1"/>
+                </a:solidFill>
+              </a:defRPr>
+            </a:defPPr>
+            <a:lvl1pPr marL="0" algn="l" defTabSz="914400" rtl="0" eaLnBrk="1" latinLnBrk="0" hangingPunct="1">
+              <a:defRPr sz="1800" kern="1200">
+                <a:solidFill>
+                  <a:schemeClr val="lt1"/>
+                </a:solidFill>
+                <a:latin typeface="+mn-lt"/>
+                <a:ea typeface="+mn-ea"/>
+                <a:cs typeface="+mn-cs"/>
+              </a:defRPr>
+            </a:lvl1pPr>
+            <a:lvl2pPr marL="457200" algn="l" defTabSz="914400" rtl="0" eaLnBrk="1" latinLnBrk="0" hangingPunct="1">
+              <a:defRPr sz="1800" kern="1200">
+                <a:solidFill>
+                  <a:schemeClr val="lt1"/>
+                </a:solidFill>
+                <a:latin typeface="+mn-lt"/>
+                <a:ea typeface="+mn-ea"/>
+                <a:cs typeface="+mn-cs"/>
+              </a:defRPr>
+            </a:lvl2pPr>
+            <a:lvl3pPr marL="914400" algn="l" defTabSz="914400" rtl="0" eaLnBrk="1" latinLnBrk="0" hangingPunct="1">
+              <a:defRPr sz="1800" kern="1200">
+                <a:solidFill>
+                  <a:schemeClr val="lt1"/>
+                </a:solidFill>
+                <a:latin typeface="+mn-lt"/>
+                <a:ea typeface="+mn-ea"/>
+                <a:cs typeface="+mn-cs"/>
+              </a:defRPr>
+            </a:lvl3pPr>
+            <a:lvl4pPr marL="1371600" algn="l" defTabSz="914400" rtl="0" eaLnBrk="1" latinLnBrk="0" hangingPunct="1">
+              <a:defRPr sz="1800" kern="1200">
+                <a:solidFill>
+                  <a:schemeClr val="lt1"/>
+                </a:solidFill>
+                <a:latin typeface="+mn-lt"/>
+                <a:ea typeface="+mn-ea"/>
+                <a:cs typeface="+mn-cs"/>
+              </a:defRPr>
+            </a:lvl4pPr>
+            <a:lvl5pPr marL="1828800" algn="l" defTabSz="914400" rtl="0" eaLnBrk="1" latinLnBrk="0" hangingPunct="1">
+              <a:defRPr sz="1800" kern="1200">
+                <a:solidFill>
+                  <a:schemeClr val="lt1"/>
+                </a:solidFill>
+                <a:latin typeface="+mn-lt"/>
+                <a:ea typeface="+mn-ea"/>
+                <a:cs typeface="+mn-cs"/>
+              </a:defRPr>
+            </a:lvl5pPr>
+            <a:lvl6pPr marL="2286000" algn="l" defTabSz="914400" rtl="0" eaLnBrk="1" latinLnBrk="0" hangingPunct="1">
+              <a:defRPr sz="1800" kern="1200">
+                <a:solidFill>
+                  <a:schemeClr val="lt1"/>
+                </a:solidFill>
+                <a:latin typeface="+mn-lt"/>
+                <a:ea typeface="+mn-ea"/>
+                <a:cs typeface="+mn-cs"/>
+              </a:defRPr>
+            </a:lvl6pPr>
+            <a:lvl7pPr marL="2743200" algn="l" defTabSz="914400" rtl="0" eaLnBrk="1" latinLnBrk="0" hangingPunct="1">
+              <a:defRPr sz="1800" kern="1200">
+                <a:solidFill>
+                  <a:schemeClr val="lt1"/>
+                </a:solidFill>
+                <a:latin typeface="+mn-lt"/>
+                <a:ea typeface="+mn-ea"/>
+                <a:cs typeface="+mn-cs"/>
+              </a:defRPr>
+            </a:lvl7pPr>
+            <a:lvl8pPr marL="3200400" algn="l" defTabSz="914400" rtl="0" eaLnBrk="1" latinLnBrk="0" hangingPunct="1">
+              <a:defRPr sz="1800" kern="1200">
+                <a:solidFill>
+                  <a:schemeClr val="lt1"/>
+                </a:solidFill>
+                <a:latin typeface="+mn-lt"/>
+                <a:ea typeface="+mn-ea"/>
+                <a:cs typeface="+mn-cs"/>
+              </a:defRPr>
+            </a:lvl8pPr>
+            <a:lvl9pPr marL="3657600" algn="l" defTabSz="914400" rtl="0" eaLnBrk="1" latinLnBrk="0" hangingPunct="1">
+              <a:defRPr sz="1800" kern="1200">
+                <a:solidFill>
+                  <a:schemeClr val="lt1"/>
+                </a:solidFill>
+                <a:latin typeface="+mn-lt"/>
+                <a:ea typeface="+mn-ea"/>
+                <a:cs typeface="+mn-cs"/>
+              </a:defRPr>
+            </a:lvl9pPr>
+          </a:lstStyle>
+          <a:p>
+            <a:pPr marL="0" marR="0" lvl="0" indent="0" algn="ctr" defTabSz="914400" rtl="0" eaLnBrk="1" fontAlgn="auto" latinLnBrk="0" hangingPunct="1">
+              <a:lnSpc>
+                <a:spcPct val="100000"/>
+              </a:lnSpc>
+              <a:spcBef>
+                <a:spcPts val="0"/>
+              </a:spcBef>
+              <a:spcAft>
+                <a:spcPts val="0"/>
+              </a:spcAft>
+              <a:buClrTx/>
+              <a:buSzTx/>
+              <a:buFontTx/>
+              <a:buNone/>
+            </a:pPr>
+            <a:endParaRPr kumimoji="1" lang="zh-CN" altLang="en-US" sz="1600" b="1" i="0" u="none" strike="noStrike" kern="1200" cap="none" spc="0" normalizeH="0" baseline="0" noProof="0">
+              <a:ln>
+                <a:noFill/>
+              </a:ln>
+              <a:solidFill>
+                <a:prstClr val="white"/>
+              </a:solidFill>
+              <a:effectLst/>
+              <a:uLnTx/>
+              <a:uFillTx/>
+              <a:latin typeface="微软雅黑" panose="020B0503020204020204" charset="-122"/>
+              <a:ea typeface="微软雅黑" panose="020B0503020204020204" charset="-122"/>
+              <a:cs typeface="+mn-cs"/>
+            </a:endParaRPr>
+          </a:p>
+        </p:txBody>
+      </p:sp>
     </p:spTree>
     <p:custDataLst>
       <p:tags r:id="rId10"/>
@@ -22758,7 +23483,7 @@
 </p:sld>
 </file>
 
-<file path=ppt/slides/slide7.xml><?xml version="1.0" encoding="utf-8"?>
+<file path=ppt/slides/slide8.xml><?xml version="1.0" encoding="utf-8"?>
 <p:sld xmlns:a="http://schemas.openxmlformats.org/drawingml/2006/main" xmlns:r="http://schemas.openxmlformats.org/officeDocument/2006/relationships" xmlns:p="http://schemas.openxmlformats.org/presentationml/2006/main">
   <p:cSld>
     <p:spTree>
@@ -23061,7 +23786,7 @@
 </p:sld>
 </file>
 
-<file path=ppt/slides/slide8.xml><?xml version="1.0" encoding="utf-8"?>
+<file path=ppt/slides/slide9.xml><?xml version="1.0" encoding="utf-8"?>
 <p:sld xmlns:a="http://schemas.openxmlformats.org/drawingml/2006/main" xmlns:r="http://schemas.openxmlformats.org/officeDocument/2006/relationships" xmlns:p="http://schemas.openxmlformats.org/presentationml/2006/main">
   <p:cSld>
     <p:spTree>
@@ -23350,138 +24075,6 @@
 </p:sld>
 </file>
 
-<file path=ppt/slides/slide9.xml><?xml version="1.0" encoding="utf-8"?>
-<p:sld xmlns:a="http://schemas.openxmlformats.org/drawingml/2006/main" xmlns:r="http://schemas.openxmlformats.org/officeDocument/2006/relationships" xmlns:p="http://schemas.openxmlformats.org/presentationml/2006/main">
-  <p:cSld>
-    <p:spTree>
-      <p:nvGrpSpPr>
-        <p:cNvPr id="1" name=""/>
-        <p:cNvGrpSpPr/>
-        <p:nvPr/>
-      </p:nvGrpSpPr>
-      <p:grpSpPr>
-        <a:xfrm>
-          <a:off x="0" y="0"/>
-          <a:ext cx="0" cy="0"/>
-          <a:chOff x="0" y="0"/>
-          <a:chExt cx="0" cy="0"/>
-        </a:xfrm>
-      </p:grpSpPr>
-      <p:sp>
-        <p:nvSpPr>
-          <p:cNvPr id="4" name="标题 3"/>
-          <p:cNvSpPr>
-            <a:spLocks noGrp="1"/>
-          </p:cNvSpPr>
-          <p:nvPr>
-            <p:ph type="title" idx="13"/>
-            <p:custDataLst>
-              <p:tags r:id="rId1"/>
-            </p:custDataLst>
-          </p:nvPr>
-        </p:nvSpPr>
-        <p:spPr/>
-        <p:txBody>
-          <a:bodyPr/>
-          <a:lstStyle/>
-          <a:p>
-            <a:r>
-              <a:rPr lang="zh-CN" altLang="en-US"/>
-              <a:t>谢谢聆听</a:t>
-            </a:r>
-            <a:endParaRPr lang="zh-CN" altLang="en-US"/>
-          </a:p>
-        </p:txBody>
-      </p:sp>
-      <p:sp>
-        <p:nvSpPr>
-          <p:cNvPr id="5" name="文本占位符 4"/>
-          <p:cNvSpPr>
-            <a:spLocks noGrp="1"/>
-          </p:cNvSpPr>
-          <p:nvPr>
-            <p:ph type="body" idx="14"/>
-            <p:custDataLst>
-              <p:tags r:id="rId2"/>
-            </p:custDataLst>
-          </p:nvPr>
-        </p:nvSpPr>
-        <p:spPr/>
-        <p:txBody>
-          <a:bodyPr/>
-          <a:lstStyle/>
-          <a:p>
-            <a:r>
-              <a:rPr lang="zh-CN" altLang="en-US"/>
-              <a:t>单击此处添加副标题内容</a:t>
-            </a:r>
-            <a:endParaRPr lang="zh-CN" altLang="en-US"/>
-          </a:p>
-        </p:txBody>
-      </p:sp>
-      <p:sp>
-        <p:nvSpPr>
-          <p:cNvPr id="6" name="文本占位符 5"/>
-          <p:cNvSpPr>
-            <a:spLocks noGrp="1"/>
-          </p:cNvSpPr>
-          <p:nvPr>
-            <p:ph type="body" sz="quarter" idx="15"/>
-            <p:custDataLst>
-              <p:tags r:id="rId3"/>
-            </p:custDataLst>
-          </p:nvPr>
-        </p:nvSpPr>
-        <p:spPr/>
-        <p:txBody>
-          <a:bodyPr/>
-          <a:lstStyle/>
-          <a:p>
-            <a:r>
-              <a:rPr lang="zh-CN" altLang="en-US" dirty="0"/>
-              <a:t>汇报人姓名</a:t>
-            </a:r>
-            <a:endParaRPr lang="zh-CN" altLang="en-US" dirty="0"/>
-          </a:p>
-        </p:txBody>
-      </p:sp>
-      <p:sp>
-        <p:nvSpPr>
-          <p:cNvPr id="7" name="文本占位符 6"/>
-          <p:cNvSpPr>
-            <a:spLocks noGrp="1"/>
-          </p:cNvSpPr>
-          <p:nvPr>
-            <p:ph type="body" sz="quarter" idx="16"/>
-            <p:custDataLst>
-              <p:tags r:id="rId4"/>
-            </p:custDataLst>
-          </p:nvPr>
-        </p:nvSpPr>
-        <p:spPr/>
-        <p:txBody>
-          <a:bodyPr/>
-          <a:lstStyle/>
-          <a:p>
-            <a:r>
-              <a:rPr lang="zh-CN" altLang="en-US" dirty="0"/>
-              <a:t>汇报日期</a:t>
-            </a:r>
-            <a:endParaRPr lang="zh-CN" altLang="en-US" dirty="0"/>
-          </a:p>
-        </p:txBody>
-      </p:sp>
-    </p:spTree>
-    <p:custDataLst>
-      <p:tags r:id="rId5"/>
-    </p:custDataLst>
-  </p:cSld>
-  <p:clrMapOvr>
-    <a:masterClrMapping/>
-  </p:clrMapOvr>
-</p:sld>
-</file>
-
 <file path=ppt/tags/tag1.xml><?xml version="1.0" encoding="utf-8"?>
 <p:tagLst xmlns:p="http://schemas.openxmlformats.org/presentationml/2006/main">
   <p:tag name="KSO_WM_UNIT_HIGHLIGHT" val="0"/>
@@ -27437,6 +28030,48 @@
 
 <file path=ppt/tags/tag328.xml><?xml version="1.0" encoding="utf-8"?>
 <p:tagLst xmlns:p="http://schemas.openxmlformats.org/presentationml/2006/main">
+  <p:tag name="KSO_WM_BEAUTIFY_FLAG" val=""/>
+</p:tagLst>
+</file>
+
+<file path=ppt/tags/tag329.xml><?xml version="1.0" encoding="utf-8"?>
+<p:tagLst xmlns:p="http://schemas.openxmlformats.org/presentationml/2006/main">
+  <p:tag name="KSO_WM_UNIT_TEXTBOXSTYLE_SHAPETYPE" val="1"/>
+  <p:tag name="KSO_WM_UNIT_TEXTBOXSTYLE_ADJUSTLEFT" val="10_-35.445"/>
+  <p:tag name="KSO_WM_UNIT_TEXTBOXSTYLE_ADJUSTTOP" val="0_-63.95001"/>
+  <p:tag name="KSO_WM_UNIT_HIGHLIGHT" val="0"/>
+  <p:tag name="KSO_WM_UNIT_COMPATIBLE" val="0"/>
+  <p:tag name="KSO_WM_UNIT_DIAGRAM_ISNUMVISUAL" val="0"/>
+  <p:tag name="KSO_WM_UNIT_DIAGRAM_ISREFERUNIT" val="0"/>
+  <p:tag name="KSO_WM_UNIT_TYPE" val="h_i"/>
+  <p:tag name="KSO_WM_UNIT_INDEX" val="1_2"/>
+  <p:tag name="KSO_WM_UNIT_LAYERLEVEL" val="1_1"/>
+  <p:tag name="KSO_WM_TAG_VERSION" val="1.0"/>
+  <p:tag name="KSO_WM_BEAUTIFY_FLAG" val=""/>
+  <p:tag name="KSO_WM_UNIT_BLOCK" val="0"/>
+  <p:tag name="KSO_WM_UNIT_SM_LIMIT_TYPE" val="1"/>
+  <p:tag name="KSO_WM_UNIT_DECORATE_INFO" val="{&quot;DecorateInfoX&quot;:{&quot;IsLeft&quot;:true,&quot;IsRight&quot;:false,&quot;IsAbs&quot;:true},&quot;DecorateInfoY&quot;:{&quot;IsTop&quot;:true,&quot;IsBottom&quot;:false,&quot;IsAbs&quot;:true}}"/>
+  <p:tag name="KSO_WM_TEMPLATE_CATEGORY" val="custom"/>
+  <p:tag name="KSO_WM_TEMPLATE_INDEX" val="20204278"/>
+  <p:tag name="KSO_WM_UNIT_ID" val="custom20204278_9*h_i*1_2"/>
+</p:tagLst>
+</file>
+
+<file path=ppt/tags/tag33.xml><?xml version="1.0" encoding="utf-8"?>
+<p:tagLst xmlns:p="http://schemas.openxmlformats.org/presentationml/2006/main">
+  <p:tag name="KSO_WM_UNIT_HIGHLIGHT" val="0"/>
+  <p:tag name="KSO_WM_UNIT_COMPATIBLE" val="0"/>
+  <p:tag name="KSO_WM_UNIT_DIAGRAM_ISNUMVISUAL" val="0"/>
+  <p:tag name="KSO_WM_UNIT_DIAGRAM_ISREFERUNIT" val="0"/>
+  <p:tag name="KSO_WM_UNIT_ID" val="_5**"/>
+  <p:tag name="KSO_WM_UNIT_LAYERLEVEL" val="1"/>
+  <p:tag name="KSO_WM_TAG_VERSION" val="1.0"/>
+  <p:tag name="KSO_WM_BEAUTIFY_FLAG" val="#wm#"/>
+</p:tagLst>
+</file>
+
+<file path=ppt/tags/tag330.xml><?xml version="1.0" encoding="utf-8"?>
+<p:tagLst xmlns:p="http://schemas.openxmlformats.org/presentationml/2006/main">
   <p:tag name="KSO_WM_TEMPLATE_SUBCATEGORY" val="0"/>
   <p:tag name="KSO_WM_SLIDE_TYPE" val="text"/>
   <p:tag name="KSO_WM_SLIDE_SUBTYPE" val="picTxt"/>
@@ -27460,7 +28095,129 @@
 </p:tagLst>
 </file>
 
-<file path=ppt/tags/tag329.xml><?xml version="1.0" encoding="utf-8"?>
+<file path=ppt/tags/tag331.xml><?xml version="1.0" encoding="utf-8"?>
+<p:tagLst xmlns:p="http://schemas.openxmlformats.org/presentationml/2006/main">
+  <p:tag name="KSO_WM_UNIT_SUBTYPE" val="h"/>
+  <p:tag name="KSO_WM_UNIT_TYPE" val="i"/>
+  <p:tag name="KSO_WM_UNIT_INDEX" val="1"/>
+  <p:tag name="KSO_WM_TEMPLATE_CATEGORY" val="custom"/>
+  <p:tag name="KSO_WM_TEMPLATE_INDEX" val="20204278"/>
+  <p:tag name="KSO_WM_UNIT_ID" val="custom20204278_12*i*1"/>
+  <p:tag name="KSO_WM_UNIT_HIGHLIGHT" val="0"/>
+  <p:tag name="KSO_WM_UNIT_COMPATIBLE" val="0"/>
+  <p:tag name="KSO_WM_UNIT_DIAGRAM_ISNUMVISUAL" val="0"/>
+  <p:tag name="KSO_WM_UNIT_DIAGRAM_ISREFERUNIT" val="0"/>
+  <p:tag name="KSO_WM_UNIT_LAYERLEVEL" val="1"/>
+  <p:tag name="KSO_WM_TAG_VERSION" val="1.0"/>
+  <p:tag name="KSO_WM_BEAUTIFY_FLAG" val="#wm#"/>
+  <p:tag name="KSO_WM_UNIT_BK_DARK_LIGHT" val="2"/>
+</p:tagLst>
+</file>
+
+<file path=ppt/tags/tag332.xml><?xml version="1.0" encoding="utf-8"?>
+<p:tagLst xmlns:p="http://schemas.openxmlformats.org/presentationml/2006/main">
+  <p:tag name="KSO_WM_UNIT_TYPE" val="i"/>
+  <p:tag name="KSO_WM_UNIT_INDEX" val="2"/>
+  <p:tag name="KSO_WM_TEMPLATE_CATEGORY" val="custom"/>
+  <p:tag name="KSO_WM_TEMPLATE_INDEX" val="20204278"/>
+  <p:tag name="KSO_WM_UNIT_ID" val="custom20204278_12*i*2"/>
+  <p:tag name="KSO_WM_UNIT_HIGHLIGHT" val="0"/>
+  <p:tag name="KSO_WM_UNIT_COMPATIBLE" val="0"/>
+  <p:tag name="KSO_WM_UNIT_DIAGRAM_ISNUMVISUAL" val="0"/>
+  <p:tag name="KSO_WM_UNIT_DIAGRAM_ISREFERUNIT" val="0"/>
+  <p:tag name="KSO_WM_UNIT_LAYERLEVEL" val="1"/>
+  <p:tag name="KSO_WM_TAG_VERSION" val="1.0"/>
+  <p:tag name="KSO_WM_BEAUTIFY_FLAG" val="#wm#"/>
+</p:tagLst>
+</file>
+
+<file path=ppt/tags/tag333.xml><?xml version="1.0" encoding="utf-8"?>
+<p:tagLst xmlns:p="http://schemas.openxmlformats.org/presentationml/2006/main">
+  <p:tag name="KSO_WM_UNIT_TYPE" val="i"/>
+  <p:tag name="KSO_WM_UNIT_INDEX" val="3"/>
+  <p:tag name="KSO_WM_TEMPLATE_CATEGORY" val="custom"/>
+  <p:tag name="KSO_WM_TEMPLATE_INDEX" val="20204278"/>
+  <p:tag name="KSO_WM_UNIT_ID" val="custom20204278_12*i*3"/>
+  <p:tag name="KSO_WM_UNIT_HIGHLIGHT" val="0"/>
+  <p:tag name="KSO_WM_UNIT_COMPATIBLE" val="0"/>
+  <p:tag name="KSO_WM_UNIT_DIAGRAM_ISNUMVISUAL" val="0"/>
+  <p:tag name="KSO_WM_UNIT_DIAGRAM_ISREFERUNIT" val="0"/>
+  <p:tag name="KSO_WM_UNIT_LAYERLEVEL" val="1"/>
+  <p:tag name="KSO_WM_TAG_VERSION" val="1.0"/>
+  <p:tag name="KSO_WM_BEAUTIFY_FLAG" val="#wm#"/>
+</p:tagLst>
+</file>
+
+<file path=ppt/tags/tag334.xml><?xml version="1.0" encoding="utf-8"?>
+<p:tagLst xmlns:p="http://schemas.openxmlformats.org/presentationml/2006/main">
+  <p:tag name="KSO_WM_UNIT_ISCONTENTSTITLE" val="0"/>
+  <p:tag name="KSO_WM_UNIT_NOCLEAR" val="0"/>
+  <p:tag name="KSO_WM_UNIT_HIGHLIGHT" val="0"/>
+  <p:tag name="KSO_WM_UNIT_COMPATIBLE" val="0"/>
+  <p:tag name="KSO_WM_UNIT_DIAGRAM_ISNUMVISUAL" val="0"/>
+  <p:tag name="KSO_WM_UNIT_DIAGRAM_ISREFERUNIT" val="0"/>
+  <p:tag name="KSO_WM_UNIT_LAYERLEVEL" val="1"/>
+  <p:tag name="KSO_WM_TAG_VERSION" val="1.0"/>
+  <p:tag name="KSO_WM_BEAUTIFY_FLAG" val="#wm#"/>
+  <p:tag name="KSO_WM_UNIT_TYPE" val="a"/>
+  <p:tag name="KSO_WM_UNIT_INDEX" val="1"/>
+  <p:tag name="KSO_WM_UNIT_PRESET_TEXT" val="单击此处添加大标题"/>
+  <p:tag name="KSO_WM_UNIT_VALUE" val="30"/>
+  <p:tag name="KSO_WM_UNIT_DEFAULT_FONT" val="28;32;4"/>
+  <p:tag name="KSO_WM_UNIT_BLOCK" val="0"/>
+  <p:tag name="KSO_WM_TEMPLATE_CATEGORY" val="custom"/>
+  <p:tag name="KSO_WM_TEMPLATE_INDEX" val="20204278"/>
+  <p:tag name="KSO_WM_UNIT_ID" val="custom20204278_12*a*1"/>
+  <p:tag name="KSO_WM_UNIT_ISNUMDGMTITLE" val="0"/>
+</p:tagLst>
+</file>
+
+<file path=ppt/tags/tag335.xml><?xml version="1.0" encoding="utf-8"?>
+<p:tagLst xmlns:p="http://schemas.openxmlformats.org/presentationml/2006/main">
+  <p:tag name="KSO_WM_UNIT_HIGHLIGHT" val="0"/>
+  <p:tag name="KSO_WM_UNIT_COMPATIBLE" val="0"/>
+  <p:tag name="KSO_WM_UNIT_DIAGRAM_ISNUMVISUAL" val="0"/>
+  <p:tag name="KSO_WM_UNIT_DIAGRAM_ISREFERUNIT" val="0"/>
+  <p:tag name="KSO_WM_UNIT_LAYERLEVEL" val="1"/>
+  <p:tag name="KSO_WM_TAG_VERSION" val="1.0"/>
+  <p:tag name="KSO_WM_BEAUTIFY_FLAG" val="#wm#"/>
+  <p:tag name="KSO_WM_UNIT_BLOCK" val="0"/>
+  <p:tag name="KSO_WM_UNIT_SM_LIMIT_TYPE" val="2"/>
+  <p:tag name="KSO_WM_UNIT_DECORATE_INFO" val="{&quot;DecorateInfoX&quot;:{&quot;IsLeft&quot;:true,&quot;IsRight&quot;:false,&quot;IsAbs&quot;:true},&quot;DecorateInfoY&quot;:{&quot;IsTop&quot;:true,&quot;IsBottom&quot;:false,&quot;IsAbs&quot;:true}}"/>
+  <p:tag name="KSO_WM_UNIT_TYPE" val="i"/>
+  <p:tag name="KSO_WM_UNIT_INDEX" val="4"/>
+  <p:tag name="KSO_WM_TEMPLATE_CATEGORY" val="custom"/>
+  <p:tag name="KSO_WM_TEMPLATE_INDEX" val="20204278"/>
+  <p:tag name="KSO_WM_UNIT_ID" val="custom20204278_12*i*4"/>
+</p:tagLst>
+</file>
+
+<file path=ppt/tags/tag336.xml><?xml version="1.0" encoding="utf-8"?>
+<p:tagLst xmlns:p="http://schemas.openxmlformats.org/presentationml/2006/main">
+  <p:tag name="KSO_WM_TEMPLATE_SUBCATEGORY" val="0"/>
+  <p:tag name="KSO_WM_SLIDE_TYPE" val="text"/>
+  <p:tag name="KSO_WM_SLIDE_SUBTYPE" val="picTxt"/>
+  <p:tag name="KSO_WM_SLIDE_ITEM_CNT" val="0"/>
+  <p:tag name="KSO_WM_SLIDE_INDEX" val="12"/>
+  <p:tag name="KSO_WM_SLIDE_SIZE" val="960*539"/>
+  <p:tag name="KSO_WM_SLIDE_POSITION" val="0*0"/>
+  <p:tag name="KSO_WM_TAG_VERSION" val="1.0"/>
+  <p:tag name="KSO_WM_BEAUTIFY_FLAG" val="#wm#"/>
+  <p:tag name="KSO_WM_SLIDE_LAYOUT" val="a_d_i"/>
+  <p:tag name="KSO_WM_SLIDE_LAYOUT_CNT" val="1_1_1"/>
+  <p:tag name="KSO_WM_SLIDE_LAYOUT_INFO" val="{&quot;direction&quot;:0,&quot;horizontalAlign&quot;:-1,&quot;verticalAlign&quot;:-1,&quot;type&quot;:0,&quot;diagramDirection&quot;:0,&quot;canSetOverLayout&quot;:0,&quot;isOverLayout&quot;:0,&quot;normalSize&quot;:{&quot;size1&quot;:13.3},&quot;minSize&quot;:{&quot;size1&quot;:13.3},&quot;maxSize&quot;:{&quot;size1&quot;:13.3},&quot;edge&quot;:{&quot;left&quot;:true,&quot;top&quot;:true,&quot;right&quot;:true,&quot;bottom&quot;:true},&quot;backgroundInfo&quot;:[{&quot;type&quot;:&quot;navigation&quot;,&quot;left&quot;:0.0,&quot;top&quot;:0.0,&quot;right&quot;:0.0,&quot;bottom&quot;:0.0,&quot;leftAbs&quot;:false,&quot;topAbs&quot;:false,&quot;rightAbs&quot;:false,&quot;bottomAbs&quot;:false}],&quot;subLayout&quot;:[{&quot;direction&quot;:0,&quot;horizontalAlign&quot;:-1,&quot;verticalAlign&quot;:-1,&quot;type&quot;:0,&quot;diagramDirection&quot;:0,&quot;canSetOverLayout&quot;:0,&quot;isOverLayout&quot;:0,&quot;margin&quot;:{&quot;left&quot;:1.69,&quot;top&quot;:0.425,&quot;right&quot;:1.692,&quot;bottom&quot;:0.425},&quot;edge&quot;:{&quot;left&quot;:true,&quot;top&quot;:true,&quot;right&quot;:true,&quot;bottom&quot;:false}},{&quot;direction&quot;:0,&quot;horizontalAlign&quot;:-1,&quot;verticalAlign&quot;:-1,&quot;type&quot;:0,&quot;diagramDirection&quot;:0,&quot;canSetOverLayout&quot;:0,&quot;isOverLayout&quot;:0,&quot;margin&quot;:{&quot;left&quot;:2.12,&quot;top&quot;:1.69,&quot;right&quot;:2.12,&quot;bottom&quot;:2.96},&quot;edge&quot;:{&quot;left&quot;:true,&quot;top&quot;:false,&quot;right&quot;:true,&quot;bottom&quot;:true}}]}"/>
+  <p:tag name="KSO_WM_SLIDE_CAN_ADD_NAVIGATION" val="1"/>
+  <p:tag name="KSO_WM_SLIDE_BACKGROUND" val="[&quot;navigation&quot;]"/>
+  <p:tag name="KSO_WM_SLIDE_RATIO" val="1.777778"/>
+  <p:tag name="KSO_WM_TEMPLATE_MASTER_TYPE" val="1"/>
+  <p:tag name="KSO_WM_TEMPLATE_COLOR_TYPE" val="1"/>
+  <p:tag name="KSO_WM_TEMPLATE_CATEGORY" val="custom"/>
+  <p:tag name="KSO_WM_TEMPLATE_INDEX" val="20204278"/>
+  <p:tag name="KSO_WM_SLIDE_ID" val="custom20204278_12"/>
+</p:tagLst>
+</file>
+
+<file path=ppt/tags/tag337.xml><?xml version="1.0" encoding="utf-8"?>
 <p:tagLst xmlns:p="http://schemas.openxmlformats.org/presentationml/2006/main">
   <p:tag name="KSO_WM_UNIT_SUBTYPE" val="h"/>
   <p:tag name="KSO_WM_UNIT_TYPE" val="i"/>
@@ -27479,20 +28236,7 @@
 </p:tagLst>
 </file>
 
-<file path=ppt/tags/tag33.xml><?xml version="1.0" encoding="utf-8"?>
-<p:tagLst xmlns:p="http://schemas.openxmlformats.org/presentationml/2006/main">
-  <p:tag name="KSO_WM_UNIT_HIGHLIGHT" val="0"/>
-  <p:tag name="KSO_WM_UNIT_COMPATIBLE" val="0"/>
-  <p:tag name="KSO_WM_UNIT_DIAGRAM_ISNUMVISUAL" val="0"/>
-  <p:tag name="KSO_WM_UNIT_DIAGRAM_ISREFERUNIT" val="0"/>
-  <p:tag name="KSO_WM_UNIT_ID" val="_5**"/>
-  <p:tag name="KSO_WM_UNIT_LAYERLEVEL" val="1"/>
-  <p:tag name="KSO_WM_TAG_VERSION" val="1.0"/>
-  <p:tag name="KSO_WM_BEAUTIFY_FLAG" val="#wm#"/>
-</p:tagLst>
-</file>
-
-<file path=ppt/tags/tag330.xml><?xml version="1.0" encoding="utf-8"?>
+<file path=ppt/tags/tag338.xml><?xml version="1.0" encoding="utf-8"?>
 <p:tagLst xmlns:p="http://schemas.openxmlformats.org/presentationml/2006/main">
   <p:tag name="KSO_WM_UNIT_TYPE" val="i"/>
   <p:tag name="KSO_WM_UNIT_INDEX" val="2"/>
@@ -27509,7 +28253,7 @@
 </p:tagLst>
 </file>
 
-<file path=ppt/tags/tag331.xml><?xml version="1.0" encoding="utf-8"?>
+<file path=ppt/tags/tag339.xml><?xml version="1.0" encoding="utf-8"?>
 <p:tagLst xmlns:p="http://schemas.openxmlformats.org/presentationml/2006/main">
   <p:tag name="KSO_WM_UNIT_TYPE" val="i"/>
   <p:tag name="KSO_WM_UNIT_INDEX" val="3"/>
@@ -27526,7 +28270,20 @@
 </p:tagLst>
 </file>
 
-<file path=ppt/tags/tag332.xml><?xml version="1.0" encoding="utf-8"?>
+<file path=ppt/tags/tag34.xml><?xml version="1.0" encoding="utf-8"?>
+<p:tagLst xmlns:p="http://schemas.openxmlformats.org/presentationml/2006/main">
+  <p:tag name="KSO_WM_UNIT_HIGHLIGHT" val="0"/>
+  <p:tag name="KSO_WM_UNIT_COMPATIBLE" val="0"/>
+  <p:tag name="KSO_WM_UNIT_DIAGRAM_ISNUMVISUAL" val="0"/>
+  <p:tag name="KSO_WM_UNIT_DIAGRAM_ISREFERUNIT" val="0"/>
+  <p:tag name="KSO_WM_UNIT_ID" val="_5**"/>
+  <p:tag name="KSO_WM_UNIT_LAYERLEVEL" val="1"/>
+  <p:tag name="KSO_WM_TAG_VERSION" val="1.0"/>
+  <p:tag name="KSO_WM_BEAUTIFY_FLAG" val="#wm#"/>
+</p:tagLst>
+</file>
+
+<file path=ppt/tags/tag340.xml><?xml version="1.0" encoding="utf-8"?>
 <p:tagLst xmlns:p="http://schemas.openxmlformats.org/presentationml/2006/main">
   <p:tag name="KSO_WM_UNIT_ISCONTENTSTITLE" val="0"/>
   <p:tag name="KSO_WM_UNIT_PRESET_TEXT" val="单击此处添加大标题"/>
@@ -27550,7 +28307,7 @@
 </p:tagLst>
 </file>
 
-<file path=ppt/tags/tag333.xml><?xml version="1.0" encoding="utf-8"?>
+<file path=ppt/tags/tag341.xml><?xml version="1.0" encoding="utf-8"?>
 <p:tagLst xmlns:p="http://schemas.openxmlformats.org/presentationml/2006/main">
   <p:tag name="KSO_WM_UNIT_PRESET_TEXT" val="单击此处添加文本具体内容，简明扼要的阐述您的观点。根据需要可酌情增减文字，以便观者准确的理解您传达的思想。单击此处添加文本具体内容，简明扼要的阐述您的观点。根据需要可酌情增减文字，以便观者准确的理解您传达的思想。单击此处添加文本具体内容，简明扼要的阐述您的观点。根据需要可酌情增减文字，以便观者准确的理解您传达的思想。单击此处添加文本具体内容，简明扼要的阐述您的观点。根据需要可酌情增减文字，以便观者准确的理解您传达的思想。单击此处添加文本具体内容，简明扼要的阐述您的观点。根据需要可酌情增减文字，以便观者准确的理解您传达的思想。"/>
   <p:tag name="KSO_WM_UNIT_NOCLEAR" val="0"/>
@@ -27573,7 +28330,7 @@
 </p:tagLst>
 </file>
 
-<file path=ppt/tags/tag334.xml><?xml version="1.0" encoding="utf-8"?>
+<file path=ppt/tags/tag342.xml><?xml version="1.0" encoding="utf-8"?>
 <p:tagLst xmlns:p="http://schemas.openxmlformats.org/presentationml/2006/main">
   <p:tag name="KSO_WM_TEMPLATE_SUBCATEGORY" val="0"/>
   <p:tag name="KSO_WM_SLIDE_TYPE" val="text"/>
@@ -27598,7 +28355,7 @@
 </p:tagLst>
 </file>
 
-<file path=ppt/tags/tag335.xml><?xml version="1.0" encoding="utf-8"?>
+<file path=ppt/tags/tag343.xml><?xml version="1.0" encoding="utf-8"?>
 <p:tagLst xmlns:p="http://schemas.openxmlformats.org/presentationml/2006/main">
   <p:tag name="KSO_WM_UNIT_SUBTYPE" val="h"/>
   <p:tag name="KSO_WM_UNIT_TYPE" val="i"/>
@@ -27617,7 +28374,7 @@
 </p:tagLst>
 </file>
 
-<file path=ppt/tags/tag336.xml><?xml version="1.0" encoding="utf-8"?>
+<file path=ppt/tags/tag344.xml><?xml version="1.0" encoding="utf-8"?>
 <p:tagLst xmlns:p="http://schemas.openxmlformats.org/presentationml/2006/main">
   <p:tag name="KSO_WM_UNIT_TYPE" val="i"/>
   <p:tag name="KSO_WM_UNIT_INDEX" val="2"/>
@@ -27634,7 +28391,7 @@
 </p:tagLst>
 </file>
 
-<file path=ppt/tags/tag337.xml><?xml version="1.0" encoding="utf-8"?>
+<file path=ppt/tags/tag345.xml><?xml version="1.0" encoding="utf-8"?>
 <p:tagLst xmlns:p="http://schemas.openxmlformats.org/presentationml/2006/main">
   <p:tag name="KSO_WM_UNIT_TYPE" val="i"/>
   <p:tag name="KSO_WM_UNIT_INDEX" val="3"/>
@@ -27651,7 +28408,7 @@
 </p:tagLst>
 </file>
 
-<file path=ppt/tags/tag338.xml><?xml version="1.0" encoding="utf-8"?>
+<file path=ppt/tags/tag346.xml><?xml version="1.0" encoding="utf-8"?>
 <p:tagLst xmlns:p="http://schemas.openxmlformats.org/presentationml/2006/main">
   <p:tag name="KSO_WM_UNIT_PRESET_TEXT" val="单击此处输入你的正文，文字是您思想的提炼，为了最终演示发布的良好效果，请尽量言简意赅的阐述观点；根据需要可酌情增减文字，以便观者可以准确理解您所传达的信息。"/>
   <p:tag name="KSO_WM_UNIT_NOCLEAR" val="0"/>
@@ -27675,7 +28432,7 @@
 </p:tagLst>
 </file>
 
-<file path=ppt/tags/tag339.xml><?xml version="1.0" encoding="utf-8"?>
+<file path=ppt/tags/tag347.xml><?xml version="1.0" encoding="utf-8"?>
 <p:tagLst xmlns:p="http://schemas.openxmlformats.org/presentationml/2006/main">
   <p:tag name="KSO_WM_UNIT_TYPE" val="d"/>
   <p:tag name="KSO_WM_UNIT_PLACING_PICTURE_INFO" val="{&quot;full_picture&quot;:false,&quot;last_crop_picture&quot;:&quot;2-1&quot;,&quot;selected&quot;:&quot;2-1&quot;}"/>
@@ -27696,20 +28453,7 @@
 </p:tagLst>
 </file>
 
-<file path=ppt/tags/tag34.xml><?xml version="1.0" encoding="utf-8"?>
-<p:tagLst xmlns:p="http://schemas.openxmlformats.org/presentationml/2006/main">
-  <p:tag name="KSO_WM_UNIT_HIGHLIGHT" val="0"/>
-  <p:tag name="KSO_WM_UNIT_COMPATIBLE" val="0"/>
-  <p:tag name="KSO_WM_UNIT_DIAGRAM_ISNUMVISUAL" val="0"/>
-  <p:tag name="KSO_WM_UNIT_DIAGRAM_ISREFERUNIT" val="0"/>
-  <p:tag name="KSO_WM_UNIT_ID" val="_5**"/>
-  <p:tag name="KSO_WM_UNIT_LAYERLEVEL" val="1"/>
-  <p:tag name="KSO_WM_TAG_VERSION" val="1.0"/>
-  <p:tag name="KSO_WM_BEAUTIFY_FLAG" val="#wm#"/>
-</p:tagLst>
-</file>
-
-<file path=ppt/tags/tag340.xml><?xml version="1.0" encoding="utf-8"?>
+<file path=ppt/tags/tag348.xml><?xml version="1.0" encoding="utf-8"?>
 <p:tagLst xmlns:p="http://schemas.openxmlformats.org/presentationml/2006/main">
   <p:tag name="KSO_WM_UNIT_TYPE" val="d"/>
   <p:tag name="KSO_WM_UNIT_PLACING_PICTURE_INFO" val="{&quot;full_picture&quot;:false,&quot;last_crop_picture&quot;:&quot;2-1&quot;,&quot;selected&quot;:&quot;2-1&quot;}"/>
@@ -27730,7 +28474,7 @@
 </p:tagLst>
 </file>
 
-<file path=ppt/tags/tag341.xml><?xml version="1.0" encoding="utf-8"?>
+<file path=ppt/tags/tag349.xml><?xml version="1.0" encoding="utf-8"?>
 <p:tagLst xmlns:p="http://schemas.openxmlformats.org/presentationml/2006/main">
   <p:tag name="KSO_WM_TEMPLATE_SUBCATEGORY" val="0"/>
   <p:tag name="KSO_WM_SLIDE_TYPE" val="text"/>
@@ -27755,7 +28499,20 @@
 </p:tagLst>
 </file>
 
-<file path=ppt/tags/tag342.xml><?xml version="1.0" encoding="utf-8"?>
+<file path=ppt/tags/tag35.xml><?xml version="1.0" encoding="utf-8"?>
+<p:tagLst xmlns:p="http://schemas.openxmlformats.org/presentationml/2006/main">
+  <p:tag name="KSO_WM_UNIT_HIGHLIGHT" val="0"/>
+  <p:tag name="KSO_WM_UNIT_COMPATIBLE" val="0"/>
+  <p:tag name="KSO_WM_UNIT_DIAGRAM_ISNUMVISUAL" val="0"/>
+  <p:tag name="KSO_WM_UNIT_DIAGRAM_ISREFERUNIT" val="0"/>
+  <p:tag name="KSO_WM_UNIT_ID" val="_5**"/>
+  <p:tag name="KSO_WM_UNIT_LAYERLEVEL" val="1"/>
+  <p:tag name="KSO_WM_TAG_VERSION" val="1.0"/>
+  <p:tag name="KSO_WM_BEAUTIFY_FLAG" val="#wm#"/>
+</p:tagLst>
+</file>
+
+<file path=ppt/tags/tag350.xml><?xml version="1.0" encoding="utf-8"?>
 <p:tagLst xmlns:p="http://schemas.openxmlformats.org/presentationml/2006/main">
   <p:tag name="KSO_WM_UNIT_HIGHLIGHT" val="0"/>
   <p:tag name="KSO_WM_UNIT_COMPATIBLE" val="0"/>
@@ -27777,7 +28534,7 @@
 </p:tagLst>
 </file>
 
-<file path=ppt/tags/tag343.xml><?xml version="1.0" encoding="utf-8"?>
+<file path=ppt/tags/tag351.xml><?xml version="1.0" encoding="utf-8"?>
 <p:tagLst xmlns:p="http://schemas.openxmlformats.org/presentationml/2006/main">
   <p:tag name="KSO_WM_UNIT_HIGHLIGHT" val="0"/>
   <p:tag name="KSO_WM_UNIT_COMPATIBLE" val="0"/>
@@ -27799,7 +28556,7 @@
 </p:tagLst>
 </file>
 
-<file path=ppt/tags/tag344.xml><?xml version="1.0" encoding="utf-8"?>
+<file path=ppt/tags/tag352.xml><?xml version="1.0" encoding="utf-8"?>
 <p:tagLst xmlns:p="http://schemas.openxmlformats.org/presentationml/2006/main">
   <p:tag name="KSO_WM_UNIT_ISCONTENTSTITLE" val="0"/>
   <p:tag name="KSO_WM_UNIT_PRESET_TEXT" val="汇报人姓名"/>
@@ -27821,7 +28578,7 @@
 </p:tagLst>
 </file>
 
-<file path=ppt/tags/tag345.xml><?xml version="1.0" encoding="utf-8"?>
+<file path=ppt/tags/tag353.xml><?xml version="1.0" encoding="utf-8"?>
 <p:tagLst xmlns:p="http://schemas.openxmlformats.org/presentationml/2006/main">
   <p:tag name="KSO_WM_UNIT_ISCONTENTSTITLE" val="0"/>
   <p:tag name="KSO_WM_UNIT_PRESET_TEXT" val="汇报日期"/>
@@ -27843,7 +28600,7 @@
 </p:tagLst>
 </file>
 
-<file path=ppt/tags/tag346.xml><?xml version="1.0" encoding="utf-8"?>
+<file path=ppt/tags/tag354.xml><?xml version="1.0" encoding="utf-8"?>
 <p:tagLst xmlns:p="http://schemas.openxmlformats.org/presentationml/2006/main">
   <p:tag name="KSO_WM_TEMPLATE_THUMBS_INDEX" val="1"/>
   <p:tag name="KSO_WM_TEMPLATE_SUBCATEGORY" val="0"/>
@@ -27863,22 +28620,9 @@
 </p:tagLst>
 </file>
 
-<file path=ppt/tags/tag347.xml><?xml version="1.0" encoding="utf-8"?>
+<file path=ppt/tags/tag355.xml><?xml version="1.0" encoding="utf-8"?>
 <p:tagLst xmlns:p="http://schemas.openxmlformats.org/presentationml/2006/main">
   <p:tag name="commondata" val="eyJoZGlkIjoiM2QwM2E3OTk5ZjViYjU1NmVlYmE1OTk4YzIxMzNkZmQifQ=="/>
-</p:tagLst>
-</file>
-
-<file path=ppt/tags/tag35.xml><?xml version="1.0" encoding="utf-8"?>
-<p:tagLst xmlns:p="http://schemas.openxmlformats.org/presentationml/2006/main">
-  <p:tag name="KSO_WM_UNIT_HIGHLIGHT" val="0"/>
-  <p:tag name="KSO_WM_UNIT_COMPATIBLE" val="0"/>
-  <p:tag name="KSO_WM_UNIT_DIAGRAM_ISNUMVISUAL" val="0"/>
-  <p:tag name="KSO_WM_UNIT_DIAGRAM_ISREFERUNIT" val="0"/>
-  <p:tag name="KSO_WM_UNIT_ID" val="_5**"/>
-  <p:tag name="KSO_WM_UNIT_LAYERLEVEL" val="1"/>
-  <p:tag name="KSO_WM_TAG_VERSION" val="1.0"/>
-  <p:tag name="KSO_WM_BEAUTIFY_FLAG" val="#wm#"/>
 </p:tagLst>
 </file>
 
